--- a/templates/p1.pptx
+++ b/templates/p1.pptx
@@ -9,6 +9,7 @@
     <p:sldId id="257" r:id="rId3"/>
     <p:sldId id="258" r:id="rId4"/>
     <p:sldId id="259" r:id="rId5"/>
+    <p:sldId id="260" r:id="rId6"/>
   </p:sldIdLst>
   <p:sldSz cx="12192000" cy="6858000"/>
   <p:notesSz cx="6858000" cy="9144000"/>
@@ -107,6 +108,11 @@
       </a:defRPr>
     </a:lvl9pPr>
   </p:defaultTextStyle>
+  <p:extLst>
+    <p:ext uri="{EFAFB233-063F-42B5-8137-9DF3F51BA10A}">
+      <p15:sldGuideLst xmlns:p15="http://schemas.microsoft.com/office/powerpoint/2012/main"/>
+    </p:ext>
+  </p:extLst>
 </p:presentation>
 </file>
 
@@ -832,7 +838,7 @@
           <a:p>
             <a:fld id="{53B74649-7679-42B1-9A23-0B65653238A2}" type="datetimeFigureOut">
               <a:rPr lang="ru-RU" smtClean="0"/>
-              <a:t>29.10.2021</a:t>
+              <a:t>04.11.2021</a:t>
             </a:fld>
             <a:endParaRPr lang="ru-RU"/>
           </a:p>
@@ -1083,7 +1089,7 @@
           <a:p>
             <a:fld id="{53B74649-7679-42B1-9A23-0B65653238A2}" type="datetimeFigureOut">
               <a:rPr lang="ru-RU" smtClean="0"/>
-              <a:t>29.10.2021</a:t>
+              <a:t>04.11.2021</a:t>
             </a:fld>
             <a:endParaRPr lang="ru-RU"/>
           </a:p>
@@ -1397,7 +1403,7 @@
           <a:p>
             <a:fld id="{53B74649-7679-42B1-9A23-0B65653238A2}" type="datetimeFigureOut">
               <a:rPr lang="ru-RU" smtClean="0"/>
-              <a:t>29.10.2021</a:t>
+              <a:t>04.11.2021</a:t>
             </a:fld>
             <a:endParaRPr lang="ru-RU"/>
           </a:p>
@@ -1738,7 +1744,7 @@
           <a:p>
             <a:fld id="{53B74649-7679-42B1-9A23-0B65653238A2}" type="datetimeFigureOut">
               <a:rPr lang="ru-RU" smtClean="0"/>
-              <a:t>29.10.2021</a:t>
+              <a:t>04.11.2021</a:t>
             </a:fld>
             <a:endParaRPr lang="ru-RU"/>
           </a:p>
@@ -2052,7 +2058,7 @@
           <a:p>
             <a:fld id="{53B74649-7679-42B1-9A23-0B65653238A2}" type="datetimeFigureOut">
               <a:rPr lang="ru-RU" smtClean="0"/>
-              <a:t>29.10.2021</a:t>
+              <a:t>04.11.2021</a:t>
             </a:fld>
             <a:endParaRPr lang="ru-RU"/>
           </a:p>
@@ -2445,7 +2451,7 @@
           <a:p>
             <a:fld id="{53B74649-7679-42B1-9A23-0B65653238A2}" type="datetimeFigureOut">
               <a:rPr lang="ru-RU" smtClean="0"/>
-              <a:t>29.10.2021</a:t>
+              <a:t>04.11.2021</a:t>
             </a:fld>
             <a:endParaRPr lang="ru-RU"/>
           </a:p>
@@ -2615,7 +2621,7 @@
           <a:p>
             <a:fld id="{53B74649-7679-42B1-9A23-0B65653238A2}" type="datetimeFigureOut">
               <a:rPr lang="ru-RU" smtClean="0"/>
-              <a:t>29.10.2021</a:t>
+              <a:t>04.11.2021</a:t>
             </a:fld>
             <a:endParaRPr lang="ru-RU"/>
           </a:p>
@@ -2795,7 +2801,7 @@
           <a:p>
             <a:fld id="{53B74649-7679-42B1-9A23-0B65653238A2}" type="datetimeFigureOut">
               <a:rPr lang="ru-RU" smtClean="0"/>
-              <a:t>29.10.2021</a:t>
+              <a:t>04.11.2021</a:t>
             </a:fld>
             <a:endParaRPr lang="ru-RU"/>
           </a:p>
@@ -2971,7 +2977,7 @@
           <a:p>
             <a:fld id="{53B74649-7679-42B1-9A23-0B65653238A2}" type="datetimeFigureOut">
               <a:rPr lang="ru-RU" smtClean="0"/>
-              <a:t>29.10.2021</a:t>
+              <a:t>04.11.2021</a:t>
             </a:fld>
             <a:endParaRPr lang="ru-RU"/>
           </a:p>
@@ -3218,7 +3224,7 @@
           <a:p>
             <a:fld id="{53B74649-7679-42B1-9A23-0B65653238A2}" type="datetimeFigureOut">
               <a:rPr lang="ru-RU" smtClean="0"/>
-              <a:t>29.10.2021</a:t>
+              <a:t>04.11.2021</a:t>
             </a:fld>
             <a:endParaRPr lang="ru-RU"/>
           </a:p>
@@ -3450,7 +3456,7 @@
           <a:p>
             <a:fld id="{53B74649-7679-42B1-9A23-0B65653238A2}" type="datetimeFigureOut">
               <a:rPr lang="ru-RU" smtClean="0"/>
-              <a:t>29.10.2021</a:t>
+              <a:t>04.11.2021</a:t>
             </a:fld>
             <a:endParaRPr lang="ru-RU"/>
           </a:p>
@@ -3824,7 +3830,7 @@
           <a:p>
             <a:fld id="{53B74649-7679-42B1-9A23-0B65653238A2}" type="datetimeFigureOut">
               <a:rPr lang="ru-RU" smtClean="0"/>
-              <a:t>29.10.2021</a:t>
+              <a:t>04.11.2021</a:t>
             </a:fld>
             <a:endParaRPr lang="ru-RU"/>
           </a:p>
@@ -3947,7 +3953,7 @@
           <a:p>
             <a:fld id="{53B74649-7679-42B1-9A23-0B65653238A2}" type="datetimeFigureOut">
               <a:rPr lang="ru-RU" smtClean="0"/>
-              <a:t>29.10.2021</a:t>
+              <a:t>04.11.2021</a:t>
             </a:fld>
             <a:endParaRPr lang="ru-RU"/>
           </a:p>
@@ -4042,7 +4048,7 @@
           <a:p>
             <a:fld id="{53B74649-7679-42B1-9A23-0B65653238A2}" type="datetimeFigureOut">
               <a:rPr lang="ru-RU" smtClean="0"/>
-              <a:t>29.10.2021</a:t>
+              <a:t>04.11.2021</a:t>
             </a:fld>
             <a:endParaRPr lang="ru-RU"/>
           </a:p>
@@ -4297,7 +4303,7 @@
           <a:p>
             <a:fld id="{53B74649-7679-42B1-9A23-0B65653238A2}" type="datetimeFigureOut">
               <a:rPr lang="ru-RU" smtClean="0"/>
-              <a:t>29.10.2021</a:t>
+              <a:t>04.11.2021</a:t>
             </a:fld>
             <a:endParaRPr lang="ru-RU"/>
           </a:p>
@@ -4560,7 +4566,7 @@
           <a:p>
             <a:fld id="{53B74649-7679-42B1-9A23-0B65653238A2}" type="datetimeFigureOut">
               <a:rPr lang="ru-RU" smtClean="0"/>
-              <a:t>29.10.2021</a:t>
+              <a:t>04.11.2021</a:t>
             </a:fld>
             <a:endParaRPr lang="ru-RU"/>
           </a:p>
@@ -5303,7 +5309,7 @@
           <a:p>
             <a:fld id="{53B74649-7679-42B1-9A23-0B65653238A2}" type="datetimeFigureOut">
               <a:rPr lang="ru-RU" smtClean="0"/>
-              <a:t>29.10.2021</a:t>
+              <a:t>04.11.2021</a:t>
             </a:fld>
             <a:endParaRPr lang="ru-RU"/>
           </a:p>
@@ -5896,7 +5902,7 @@
     <p:bg>
       <p:bgPr>
         <a:solidFill>
-          <a:schemeClr val="bg2"/>
+          <a:schemeClr val="bg1"/>
         </a:solidFill>
         <a:effectLst/>
       </p:bgPr>
@@ -5915,759 +5921,6 @@
           <a:chExt cx="0" cy="0"/>
         </a:xfrm>
       </p:grpSpPr>
-      <p:sp useBgFill="1">
-        <p:nvSpPr>
-          <p:cNvPr id="8" name="Rectangle 7">
-            <a:extLst>
-              <a:ext uri="{FF2B5EF4-FFF2-40B4-BE49-F238E27FC236}">
-                <a16:creationId xmlns:a16="http://schemas.microsoft.com/office/drawing/2014/main" id="{86C16C40-7C29-4ACC-B851-7E08E459B596}"/>
-              </a:ext>
-              <a:ext uri="{C183D7F6-B498-43B3-948B-1728B52AA6E4}">
-                <adec:decorative xmlns:adec="http://schemas.microsoft.com/office/drawing/2017/decorative" val="1"/>
-              </a:ext>
-            </a:extLst>
-          </p:cNvPr>
-          <p:cNvSpPr>
-            <a:spLocks noGrp="1" noRot="1" noChangeAspect="1" noMove="1" noResize="1" noEditPoints="1" noAdjustHandles="1" noChangeArrowheads="1" noChangeShapeType="1" noTextEdit="1"/>
-          </p:cNvSpPr>
-          <p:nvPr>
-            <p:extLst>
-              <p:ext uri="{386F3935-93C4-4BCD-93E2-E3B085C9AB24}">
-                <p16:designElem xmlns:p16="http://schemas.microsoft.com/office/powerpoint/2015/main" val="1"/>
-              </p:ext>
-            </p:extLst>
-          </p:nvPr>
-        </p:nvSpPr>
-        <p:spPr>
-          <a:xfrm>
-            <a:off x="0" y="0"/>
-            <a:ext cx="12192000" cy="6858000"/>
-          </a:xfrm>
-          <a:prstGeom prst="rect">
-            <a:avLst/>
-          </a:prstGeom>
-          <a:ln>
-            <a:noFill/>
-          </a:ln>
-        </p:spPr>
-        <p:style>
-          <a:lnRef idx="2">
-            <a:schemeClr val="accent1">
-              <a:shade val="50000"/>
-            </a:schemeClr>
-          </a:lnRef>
-          <a:fillRef idx="1">
-            <a:schemeClr val="accent1"/>
-          </a:fillRef>
-          <a:effectRef idx="0">
-            <a:schemeClr val="accent1"/>
-          </a:effectRef>
-          <a:fontRef idx="minor">
-            <a:schemeClr val="lt1"/>
-          </a:fontRef>
-        </p:style>
-        <p:txBody>
-          <a:bodyPr rtlCol="0" anchor="ctr"/>
-          <a:lstStyle/>
-          <a:p>
-            <a:pPr algn="ctr"/>
-            <a:endParaRPr lang="en-US"/>
-          </a:p>
-        </p:txBody>
-      </p:sp>
-      <p:grpSp>
-        <p:nvGrpSpPr>
-          <p:cNvPr id="10" name="Group 9">
-            <a:extLst>
-              <a:ext uri="{FF2B5EF4-FFF2-40B4-BE49-F238E27FC236}">
-                <a16:creationId xmlns:a16="http://schemas.microsoft.com/office/drawing/2014/main" id="{CDD733AE-DD5E-4C77-8BCD-72BF12A06BB1}"/>
-              </a:ext>
-              <a:ext uri="{C183D7F6-B498-43B3-948B-1728B52AA6E4}">
-                <adec:decorative xmlns:adec="http://schemas.microsoft.com/office/drawing/2017/decorative" val="1"/>
-              </a:ext>
-            </a:extLst>
-          </p:cNvPr>
-          <p:cNvGrpSpPr>
-            <a:grpSpLocks noGrp="1" noUngrp="1" noRot="1" noChangeAspect="1" noMove="1" noResize="1"/>
-          </p:cNvGrpSpPr>
-          <p:nvPr>
-            <p:extLst>
-              <p:ext uri="{386F3935-93C4-4BCD-93E2-E3B085C9AB24}">
-                <p16:designElem xmlns:p16="http://schemas.microsoft.com/office/powerpoint/2015/main" val="1"/>
-              </p:ext>
-            </p:extLst>
-          </p:nvPr>
-        </p:nvGrpSpPr>
-        <p:grpSpPr>
-          <a:xfrm>
-            <a:off x="0" y="-8467"/>
-            <a:ext cx="12192000" cy="6866467"/>
-            <a:chOff x="0" y="-8467"/>
-            <a:chExt cx="12192000" cy="6866467"/>
-          </a:xfrm>
-        </p:grpSpPr>
-        <p:cxnSp>
-          <p:nvCxnSpPr>
-            <p:cNvPr id="11" name="Straight Connector 10">
-              <a:extLst>
-                <a:ext uri="{FF2B5EF4-FFF2-40B4-BE49-F238E27FC236}">
-                  <a16:creationId xmlns:a16="http://schemas.microsoft.com/office/drawing/2014/main" id="{51DE90A4-932E-4370-BA07-30F43254C01B}"/>
-                </a:ext>
-                <a:ext uri="{C183D7F6-B498-43B3-948B-1728B52AA6E4}">
-                  <adec:decorative xmlns:adec="http://schemas.microsoft.com/office/drawing/2017/decorative" val="1"/>
-                </a:ext>
-              </a:extLst>
-            </p:cNvPr>
-            <p:cNvCxnSpPr/>
-            <p:nvPr>
-              <p:extLst>
-                <p:ext uri="{386F3935-93C4-4BCD-93E2-E3B085C9AB24}">
-                  <p16:designElem xmlns:p16="http://schemas.microsoft.com/office/powerpoint/2015/main" val="1"/>
-                </p:ext>
-              </p:extLst>
-            </p:nvPr>
-          </p:nvCxnSpPr>
-          <p:spPr>
-            <a:xfrm>
-              <a:off x="9371012" y="0"/>
-              <a:ext cx="1219200" cy="6858000"/>
-            </a:xfrm>
-            <a:prstGeom prst="line">
-              <a:avLst/>
-            </a:prstGeom>
-            <a:ln w="9525">
-              <a:solidFill>
-                <a:srgbClr val="FFFFFF"/>
-              </a:solidFill>
-            </a:ln>
-          </p:spPr>
-          <p:style>
-            <a:lnRef idx="2">
-              <a:schemeClr val="accent1"/>
-            </a:lnRef>
-            <a:fillRef idx="0">
-              <a:schemeClr val="accent1"/>
-            </a:fillRef>
-            <a:effectRef idx="1">
-              <a:schemeClr val="accent1"/>
-            </a:effectRef>
-            <a:fontRef idx="minor">
-              <a:schemeClr val="tx1"/>
-            </a:fontRef>
-          </p:style>
-        </p:cxnSp>
-        <p:cxnSp>
-          <p:nvCxnSpPr>
-            <p:cNvPr id="12" name="Straight Connector 11">
-              <a:extLst>
-                <a:ext uri="{FF2B5EF4-FFF2-40B4-BE49-F238E27FC236}">
-                  <a16:creationId xmlns:a16="http://schemas.microsoft.com/office/drawing/2014/main" id="{6A19CA4A-B208-452A-8BE4-BC6940D33D40}"/>
-                </a:ext>
-                <a:ext uri="{C183D7F6-B498-43B3-948B-1728B52AA6E4}">
-                  <adec:decorative xmlns:adec="http://schemas.microsoft.com/office/drawing/2017/decorative" val="1"/>
-                </a:ext>
-              </a:extLst>
-            </p:cNvPr>
-            <p:cNvCxnSpPr/>
-            <p:nvPr>
-              <p:extLst>
-                <p:ext uri="{386F3935-93C4-4BCD-93E2-E3B085C9AB24}">
-                  <p16:designElem xmlns:p16="http://schemas.microsoft.com/office/powerpoint/2015/main" val="1"/>
-                </p:ext>
-              </p:extLst>
-            </p:nvPr>
-          </p:nvCxnSpPr>
-          <p:spPr>
-            <a:xfrm flipH="1">
-              <a:off x="7425267" y="3681413"/>
-              <a:ext cx="4763558" cy="3176587"/>
-            </a:xfrm>
-            <a:prstGeom prst="line">
-              <a:avLst/>
-            </a:prstGeom>
-            <a:ln w="9525">
-              <a:solidFill>
-                <a:srgbClr val="FFFFFF"/>
-              </a:solidFill>
-            </a:ln>
-          </p:spPr>
-          <p:style>
-            <a:lnRef idx="2">
-              <a:schemeClr val="accent1"/>
-            </a:lnRef>
-            <a:fillRef idx="0">
-              <a:schemeClr val="accent1"/>
-            </a:fillRef>
-            <a:effectRef idx="1">
-              <a:schemeClr val="accent1"/>
-            </a:effectRef>
-            <a:fontRef idx="minor">
-              <a:schemeClr val="tx1"/>
-            </a:fontRef>
-          </p:style>
-        </p:cxnSp>
-        <p:sp>
-          <p:nvSpPr>
-            <p:cNvPr id="13" name="Rectangle 23">
-              <a:extLst>
-                <a:ext uri="{FF2B5EF4-FFF2-40B4-BE49-F238E27FC236}">
-                  <a16:creationId xmlns:a16="http://schemas.microsoft.com/office/drawing/2014/main" id="{B74F8D3E-E618-4DE3-A0CC-B4904BB5D5AB}"/>
-                </a:ext>
-                <a:ext uri="{C183D7F6-B498-43B3-948B-1728B52AA6E4}">
-                  <adec:decorative xmlns:adec="http://schemas.microsoft.com/office/drawing/2017/decorative" val="1"/>
-                </a:ext>
-              </a:extLst>
-            </p:cNvPr>
-            <p:cNvSpPr/>
-            <p:nvPr>
-              <p:extLst>
-                <p:ext uri="{386F3935-93C4-4BCD-93E2-E3B085C9AB24}">
-                  <p16:designElem xmlns:p16="http://schemas.microsoft.com/office/powerpoint/2015/main" val="1"/>
-                </p:ext>
-              </p:extLst>
-            </p:nvPr>
-          </p:nvSpPr>
-          <p:spPr>
-            <a:xfrm>
-              <a:off x="9181476" y="-8467"/>
-              <a:ext cx="3007349" cy="6866467"/>
-            </a:xfrm>
-            <a:custGeom>
-              <a:avLst/>
-              <a:gdLst/>
-              <a:ahLst/>
-              <a:cxnLst/>
-              <a:rect l="l" t="t" r="r" b="b"/>
-              <a:pathLst>
-                <a:path w="3007349" h="6866467">
-                  <a:moveTo>
-                    <a:pt x="2045532" y="0"/>
-                  </a:moveTo>
-                  <a:lnTo>
-                    <a:pt x="3007349" y="0"/>
-                  </a:lnTo>
-                  <a:lnTo>
-                    <a:pt x="3007349" y="6866467"/>
-                  </a:lnTo>
-                  <a:lnTo>
-                    <a:pt x="0" y="6866467"/>
-                  </a:lnTo>
-                  <a:lnTo>
-                    <a:pt x="2045532" y="0"/>
-                  </a:lnTo>
-                  <a:close/>
-                </a:path>
-              </a:pathLst>
-            </a:custGeom>
-            <a:solidFill>
-              <a:schemeClr val="accent1">
-                <a:alpha val="30000"/>
-              </a:schemeClr>
-            </a:solidFill>
-            <a:ln>
-              <a:noFill/>
-            </a:ln>
-            <a:effectLst/>
-          </p:spPr>
-          <p:style>
-            <a:lnRef idx="1">
-              <a:schemeClr val="accent1"/>
-            </a:lnRef>
-            <a:fillRef idx="3">
-              <a:schemeClr val="accent1"/>
-            </a:fillRef>
-            <a:effectRef idx="2">
-              <a:schemeClr val="accent1"/>
-            </a:effectRef>
-            <a:fontRef idx="minor">
-              <a:schemeClr val="lt1"/>
-            </a:fontRef>
-          </p:style>
-        </p:sp>
-        <p:sp>
-          <p:nvSpPr>
-            <p:cNvPr id="14" name="Rectangle 25">
-              <a:extLst>
-                <a:ext uri="{FF2B5EF4-FFF2-40B4-BE49-F238E27FC236}">
-                  <a16:creationId xmlns:a16="http://schemas.microsoft.com/office/drawing/2014/main" id="{299DA406-C54B-4E31-867D-FAF8DCE7045F}"/>
-                </a:ext>
-                <a:ext uri="{C183D7F6-B498-43B3-948B-1728B52AA6E4}">
-                  <adec:decorative xmlns:adec="http://schemas.microsoft.com/office/drawing/2017/decorative" val="1"/>
-                </a:ext>
-              </a:extLst>
-            </p:cNvPr>
-            <p:cNvSpPr/>
-            <p:nvPr>
-              <p:extLst>
-                <p:ext uri="{386F3935-93C4-4BCD-93E2-E3B085C9AB24}">
-                  <p16:designElem xmlns:p16="http://schemas.microsoft.com/office/powerpoint/2015/main" val="1"/>
-                </p:ext>
-              </p:extLst>
-            </p:nvPr>
-          </p:nvSpPr>
-          <p:spPr>
-            <a:xfrm>
-              <a:off x="9603442" y="-8467"/>
-              <a:ext cx="2588558" cy="6866467"/>
-            </a:xfrm>
-            <a:custGeom>
-              <a:avLst/>
-              <a:gdLst/>
-              <a:ahLst/>
-              <a:cxnLst/>
-              <a:rect l="l" t="t" r="r" b="b"/>
-              <a:pathLst>
-                <a:path w="2573311" h="6866467">
-                  <a:moveTo>
-                    <a:pt x="0" y="0"/>
-                  </a:moveTo>
-                  <a:lnTo>
-                    <a:pt x="2573311" y="0"/>
-                  </a:lnTo>
-                  <a:lnTo>
-                    <a:pt x="2573311" y="6866467"/>
-                  </a:lnTo>
-                  <a:lnTo>
-                    <a:pt x="1202336" y="6866467"/>
-                  </a:lnTo>
-                  <a:lnTo>
-                    <a:pt x="0" y="0"/>
-                  </a:lnTo>
-                  <a:close/>
-                </a:path>
-              </a:pathLst>
-            </a:custGeom>
-            <a:solidFill>
-              <a:schemeClr val="accent1">
-                <a:alpha val="20000"/>
-              </a:schemeClr>
-            </a:solidFill>
-            <a:ln>
-              <a:noFill/>
-            </a:ln>
-            <a:effectLst/>
-          </p:spPr>
-          <p:style>
-            <a:lnRef idx="1">
-              <a:schemeClr val="accent1"/>
-            </a:lnRef>
-            <a:fillRef idx="3">
-              <a:schemeClr val="accent1"/>
-            </a:fillRef>
-            <a:effectRef idx="2">
-              <a:schemeClr val="accent1"/>
-            </a:effectRef>
-            <a:fontRef idx="minor">
-              <a:schemeClr val="lt1"/>
-            </a:fontRef>
-          </p:style>
-        </p:sp>
-        <p:sp>
-          <p:nvSpPr>
-            <p:cNvPr id="15" name="Isosceles Triangle 14">
-              <a:extLst>
-                <a:ext uri="{FF2B5EF4-FFF2-40B4-BE49-F238E27FC236}">
-                  <a16:creationId xmlns:a16="http://schemas.microsoft.com/office/drawing/2014/main" id="{A1E16883-5140-47C4-A9AD-AD6598AC3EE6}"/>
-                </a:ext>
-                <a:ext uri="{C183D7F6-B498-43B3-948B-1728B52AA6E4}">
-                  <adec:decorative xmlns:adec="http://schemas.microsoft.com/office/drawing/2017/decorative" val="1"/>
-                </a:ext>
-              </a:extLst>
-            </p:cNvPr>
-            <p:cNvSpPr/>
-            <p:nvPr>
-              <p:extLst>
-                <p:ext uri="{386F3935-93C4-4BCD-93E2-E3B085C9AB24}">
-                  <p16:designElem xmlns:p16="http://schemas.microsoft.com/office/powerpoint/2015/main" val="1"/>
-                </p:ext>
-              </p:extLst>
-            </p:nvPr>
-          </p:nvSpPr>
-          <p:spPr>
-            <a:xfrm>
-              <a:off x="8932333" y="3048000"/>
-              <a:ext cx="3259667" cy="3810000"/>
-            </a:xfrm>
-            <a:prstGeom prst="triangle">
-              <a:avLst>
-                <a:gd name="adj" fmla="val 100000"/>
-              </a:avLst>
-            </a:prstGeom>
-            <a:solidFill>
-              <a:schemeClr val="accent2">
-                <a:alpha val="72000"/>
-              </a:schemeClr>
-            </a:solidFill>
-            <a:ln>
-              <a:noFill/>
-            </a:ln>
-            <a:effectLst/>
-          </p:spPr>
-          <p:style>
-            <a:lnRef idx="1">
-              <a:schemeClr val="accent1"/>
-            </a:lnRef>
-            <a:fillRef idx="3">
-              <a:schemeClr val="accent1"/>
-            </a:fillRef>
-            <a:effectRef idx="2">
-              <a:schemeClr val="accent1"/>
-            </a:effectRef>
-            <a:fontRef idx="minor">
-              <a:schemeClr val="lt1"/>
-            </a:fontRef>
-          </p:style>
-        </p:sp>
-        <p:sp>
-          <p:nvSpPr>
-            <p:cNvPr id="16" name="Rectangle 27">
-              <a:extLst>
-                <a:ext uri="{FF2B5EF4-FFF2-40B4-BE49-F238E27FC236}">
-                  <a16:creationId xmlns:a16="http://schemas.microsoft.com/office/drawing/2014/main" id="{4CD848DC-8A2A-4093-9BDD-7AF4B6A27814}"/>
-                </a:ext>
-                <a:ext uri="{C183D7F6-B498-43B3-948B-1728B52AA6E4}">
-                  <adec:decorative xmlns:adec="http://schemas.microsoft.com/office/drawing/2017/decorative" val="1"/>
-                </a:ext>
-              </a:extLst>
-            </p:cNvPr>
-            <p:cNvSpPr/>
-            <p:nvPr>
-              <p:extLst>
-                <p:ext uri="{386F3935-93C4-4BCD-93E2-E3B085C9AB24}">
-                  <p16:designElem xmlns:p16="http://schemas.microsoft.com/office/powerpoint/2015/main" val="1"/>
-                </p:ext>
-              </p:extLst>
-            </p:nvPr>
-          </p:nvSpPr>
-          <p:spPr>
-            <a:xfrm>
-              <a:off x="9334500" y="-8467"/>
-              <a:ext cx="2854326" cy="6866467"/>
-            </a:xfrm>
-            <a:custGeom>
-              <a:avLst/>
-              <a:gdLst/>
-              <a:ahLst/>
-              <a:cxnLst/>
-              <a:rect l="l" t="t" r="r" b="b"/>
-              <a:pathLst>
-                <a:path w="2858013" h="6866467">
-                  <a:moveTo>
-                    <a:pt x="0" y="0"/>
-                  </a:moveTo>
-                  <a:lnTo>
-                    <a:pt x="2858013" y="0"/>
-                  </a:lnTo>
-                  <a:lnTo>
-                    <a:pt x="2858013" y="6866467"/>
-                  </a:lnTo>
-                  <a:lnTo>
-                    <a:pt x="2473942" y="6866467"/>
-                  </a:lnTo>
-                  <a:lnTo>
-                    <a:pt x="0" y="0"/>
-                  </a:lnTo>
-                  <a:close/>
-                </a:path>
-              </a:pathLst>
-            </a:custGeom>
-            <a:solidFill>
-              <a:schemeClr val="accent2">
-                <a:lumMod val="75000"/>
-                <a:alpha val="70000"/>
-              </a:schemeClr>
-            </a:solidFill>
-            <a:ln>
-              <a:noFill/>
-            </a:ln>
-            <a:effectLst/>
-          </p:spPr>
-          <p:style>
-            <a:lnRef idx="1">
-              <a:schemeClr val="accent1"/>
-            </a:lnRef>
-            <a:fillRef idx="3">
-              <a:schemeClr val="accent1"/>
-            </a:fillRef>
-            <a:effectRef idx="2">
-              <a:schemeClr val="accent1"/>
-            </a:effectRef>
-            <a:fontRef idx="minor">
-              <a:schemeClr val="lt1"/>
-            </a:fontRef>
-          </p:style>
-        </p:sp>
-        <p:sp>
-          <p:nvSpPr>
-            <p:cNvPr id="17" name="Rectangle 28">
-              <a:extLst>
-                <a:ext uri="{FF2B5EF4-FFF2-40B4-BE49-F238E27FC236}">
-                  <a16:creationId xmlns:a16="http://schemas.microsoft.com/office/drawing/2014/main" id="{34635A4D-E9CE-4B78-912A-479EA4512B14}"/>
-                </a:ext>
-                <a:ext uri="{C183D7F6-B498-43B3-948B-1728B52AA6E4}">
-                  <adec:decorative xmlns:adec="http://schemas.microsoft.com/office/drawing/2017/decorative" val="1"/>
-                </a:ext>
-              </a:extLst>
-            </p:cNvPr>
-            <p:cNvSpPr/>
-            <p:nvPr>
-              <p:extLst>
-                <p:ext uri="{386F3935-93C4-4BCD-93E2-E3B085C9AB24}">
-                  <p16:designElem xmlns:p16="http://schemas.microsoft.com/office/powerpoint/2015/main" val="1"/>
-                </p:ext>
-              </p:extLst>
-            </p:nvPr>
-          </p:nvSpPr>
-          <p:spPr>
-            <a:xfrm>
-              <a:off x="10898730" y="-8467"/>
-              <a:ext cx="1290094" cy="6866467"/>
-            </a:xfrm>
-            <a:custGeom>
-              <a:avLst/>
-              <a:gdLst/>
-              <a:ahLst/>
-              <a:cxnLst/>
-              <a:rect l="l" t="t" r="r" b="b"/>
-              <a:pathLst>
-                <a:path w="1290094" h="6858000">
-                  <a:moveTo>
-                    <a:pt x="1019735" y="0"/>
-                  </a:moveTo>
-                  <a:lnTo>
-                    <a:pt x="1290094" y="0"/>
-                  </a:lnTo>
-                  <a:lnTo>
-                    <a:pt x="1290094" y="6858000"/>
-                  </a:lnTo>
-                  <a:lnTo>
-                    <a:pt x="0" y="6858000"/>
-                  </a:lnTo>
-                  <a:lnTo>
-                    <a:pt x="1019735" y="0"/>
-                  </a:lnTo>
-                  <a:close/>
-                </a:path>
-              </a:pathLst>
-            </a:custGeom>
-            <a:solidFill>
-              <a:schemeClr val="accent1">
-                <a:lumMod val="60000"/>
-                <a:lumOff val="40000"/>
-                <a:alpha val="70000"/>
-              </a:schemeClr>
-            </a:solidFill>
-            <a:ln>
-              <a:noFill/>
-            </a:ln>
-            <a:effectLst/>
-          </p:spPr>
-          <p:style>
-            <a:lnRef idx="1">
-              <a:schemeClr val="accent1"/>
-            </a:lnRef>
-            <a:fillRef idx="3">
-              <a:schemeClr val="accent1"/>
-            </a:fillRef>
-            <a:effectRef idx="2">
-              <a:schemeClr val="accent1"/>
-            </a:effectRef>
-            <a:fontRef idx="minor">
-              <a:schemeClr val="lt1"/>
-            </a:fontRef>
-          </p:style>
-        </p:sp>
-        <p:sp>
-          <p:nvSpPr>
-            <p:cNvPr id="18" name="Rectangle 29">
-              <a:extLst>
-                <a:ext uri="{FF2B5EF4-FFF2-40B4-BE49-F238E27FC236}">
-                  <a16:creationId xmlns:a16="http://schemas.microsoft.com/office/drawing/2014/main" id="{D663A5EE-5581-44F3-8F98-688755F63EA2}"/>
-                </a:ext>
-                <a:ext uri="{C183D7F6-B498-43B3-948B-1728B52AA6E4}">
-                  <adec:decorative xmlns:adec="http://schemas.microsoft.com/office/drawing/2017/decorative" val="1"/>
-                </a:ext>
-              </a:extLst>
-            </p:cNvPr>
-            <p:cNvSpPr/>
-            <p:nvPr>
-              <p:extLst>
-                <p:ext uri="{386F3935-93C4-4BCD-93E2-E3B085C9AB24}">
-                  <p16:designElem xmlns:p16="http://schemas.microsoft.com/office/powerpoint/2015/main" val="1"/>
-                </p:ext>
-              </p:extLst>
-            </p:nvPr>
-          </p:nvSpPr>
-          <p:spPr>
-            <a:xfrm>
-              <a:off x="10938999" y="-8467"/>
-              <a:ext cx="1249825" cy="6866467"/>
-            </a:xfrm>
-            <a:custGeom>
-              <a:avLst/>
-              <a:gdLst/>
-              <a:ahLst/>
-              <a:cxnLst/>
-              <a:rect l="l" t="t" r="r" b="b"/>
-              <a:pathLst>
-                <a:path w="1249825" h="6858000">
-                  <a:moveTo>
-                    <a:pt x="0" y="0"/>
-                  </a:moveTo>
-                  <a:lnTo>
-                    <a:pt x="1249825" y="0"/>
-                  </a:lnTo>
-                  <a:lnTo>
-                    <a:pt x="1249825" y="6858000"/>
-                  </a:lnTo>
-                  <a:lnTo>
-                    <a:pt x="1109382" y="6858000"/>
-                  </a:lnTo>
-                  <a:lnTo>
-                    <a:pt x="0" y="0"/>
-                  </a:lnTo>
-                  <a:close/>
-                </a:path>
-              </a:pathLst>
-            </a:custGeom>
-            <a:solidFill>
-              <a:schemeClr val="accent1">
-                <a:alpha val="65000"/>
-              </a:schemeClr>
-            </a:solidFill>
-            <a:ln>
-              <a:noFill/>
-            </a:ln>
-            <a:effectLst/>
-          </p:spPr>
-          <p:style>
-            <a:lnRef idx="1">
-              <a:schemeClr val="accent1"/>
-            </a:lnRef>
-            <a:fillRef idx="3">
-              <a:schemeClr val="accent1"/>
-            </a:fillRef>
-            <a:effectRef idx="2">
-              <a:schemeClr val="accent1"/>
-            </a:effectRef>
-            <a:fontRef idx="minor">
-              <a:schemeClr val="lt1"/>
-            </a:fontRef>
-          </p:style>
-        </p:sp>
-        <p:sp>
-          <p:nvSpPr>
-            <p:cNvPr id="19" name="Isosceles Triangle 18">
-              <a:extLst>
-                <a:ext uri="{FF2B5EF4-FFF2-40B4-BE49-F238E27FC236}">
-                  <a16:creationId xmlns:a16="http://schemas.microsoft.com/office/drawing/2014/main" id="{B1E84E6A-F5AE-4F4D-98F2-82FE4FCC2656}"/>
-                </a:ext>
-                <a:ext uri="{C183D7F6-B498-43B3-948B-1728B52AA6E4}">
-                  <adec:decorative xmlns:adec="http://schemas.microsoft.com/office/drawing/2017/decorative" val="1"/>
-                </a:ext>
-              </a:extLst>
-            </p:cNvPr>
-            <p:cNvSpPr/>
-            <p:nvPr>
-              <p:extLst>
-                <p:ext uri="{386F3935-93C4-4BCD-93E2-E3B085C9AB24}">
-                  <p16:designElem xmlns:p16="http://schemas.microsoft.com/office/powerpoint/2015/main" val="1"/>
-                </p:ext>
-              </p:extLst>
-            </p:nvPr>
-          </p:nvSpPr>
-          <p:spPr>
-            <a:xfrm>
-              <a:off x="10371666" y="3589867"/>
-              <a:ext cx="1817159" cy="3268133"/>
-            </a:xfrm>
-            <a:prstGeom prst="triangle">
-              <a:avLst>
-                <a:gd name="adj" fmla="val 100000"/>
-              </a:avLst>
-            </a:prstGeom>
-            <a:solidFill>
-              <a:schemeClr val="accent1">
-                <a:alpha val="80000"/>
-              </a:schemeClr>
-            </a:solidFill>
-            <a:ln>
-              <a:noFill/>
-            </a:ln>
-            <a:effectLst/>
-          </p:spPr>
-          <p:style>
-            <a:lnRef idx="1">
-              <a:schemeClr val="accent1"/>
-            </a:lnRef>
-            <a:fillRef idx="3">
-              <a:schemeClr val="accent1"/>
-            </a:fillRef>
-            <a:effectRef idx="2">
-              <a:schemeClr val="accent1"/>
-            </a:effectRef>
-            <a:fontRef idx="minor">
-              <a:schemeClr val="lt1"/>
-            </a:fontRef>
-          </p:style>
-        </p:sp>
-        <p:sp>
-          <p:nvSpPr>
-            <p:cNvPr id="20" name="Isosceles Triangle 19">
-              <a:extLst>
-                <a:ext uri="{FF2B5EF4-FFF2-40B4-BE49-F238E27FC236}">
-                  <a16:creationId xmlns:a16="http://schemas.microsoft.com/office/drawing/2014/main" id="{DDE7DDC9-17D4-4686-833D-48F8733B49EE}"/>
-                </a:ext>
-                <a:ext uri="{C183D7F6-B498-43B3-948B-1728B52AA6E4}">
-                  <adec:decorative xmlns:adec="http://schemas.microsoft.com/office/drawing/2017/decorative" val="1"/>
-                </a:ext>
-              </a:extLst>
-            </p:cNvPr>
-            <p:cNvSpPr/>
-            <p:nvPr>
-              <p:extLst>
-                <p:ext uri="{386F3935-93C4-4BCD-93E2-E3B085C9AB24}">
-                  <p16:designElem xmlns:p16="http://schemas.microsoft.com/office/powerpoint/2015/main" val="1"/>
-                </p:ext>
-              </p:extLst>
-            </p:nvPr>
-          </p:nvSpPr>
-          <p:spPr>
-            <a:xfrm>
-              <a:off x="0" y="4013200"/>
-              <a:ext cx="448733" cy="2844800"/>
-            </a:xfrm>
-            <a:prstGeom prst="triangle">
-              <a:avLst>
-                <a:gd name="adj" fmla="val 0"/>
-              </a:avLst>
-            </a:prstGeom>
-            <a:solidFill>
-              <a:schemeClr val="accent1">
-                <a:alpha val="85000"/>
-              </a:schemeClr>
-            </a:solidFill>
-            <a:ln>
-              <a:noFill/>
-            </a:ln>
-            <a:effectLst/>
-          </p:spPr>
-          <p:style>
-            <a:lnRef idx="1">
-              <a:schemeClr val="accent1"/>
-            </a:lnRef>
-            <a:fillRef idx="3">
-              <a:schemeClr val="accent1"/>
-            </a:fillRef>
-            <a:effectRef idx="2">
-              <a:schemeClr val="accent1"/>
-            </a:effectRef>
-            <a:fontRef idx="minor">
-              <a:schemeClr val="lt1"/>
-            </a:fontRef>
-          </p:style>
-        </p:sp>
-      </p:grpSp>
       <p:sp>
         <p:nvSpPr>
           <p:cNvPr id="2" name="Заголовок 1">
@@ -6684,32 +5937,26 @@
             <p:ph type="title"/>
           </p:nvPr>
         </p:nvSpPr>
-        <p:spPr>
-          <a:xfrm>
-            <a:off x="677334" y="609600"/>
-            <a:ext cx="8596668" cy="1320800"/>
-          </a:xfrm>
-        </p:spPr>
-        <p:txBody>
-          <a:bodyPr>
-            <a:normAutofit/>
+        <p:spPr/>
+        <p:txBody>
+          <a:bodyPr vert="horz" lIns="91440" tIns="45720" rIns="91440" bIns="45720" rtlCol="0" anchor="ctr">
+            <a:normAutofit fontScale="90000"/>
           </a:bodyPr>
           <a:lstStyle/>
           <a:p>
             <a:r>
-              <a:rPr lang="en-US" dirty="0"/>
+              <a:rPr lang="en-US" sz="3600"/>
               <a:t>1</a:t>
             </a:r>
-            <a:endParaRPr lang="ru-RU" dirty="0"/>
-          </a:p>
-        </p:txBody>
-      </p:sp>
-      <p:sp>
-        <p:nvSpPr>
-          <p:cNvPr id="3" name="Объект 2">
+          </a:p>
+        </p:txBody>
+      </p:sp>
+      <p:sp>
+        <p:nvSpPr>
+          <p:cNvPr id="9" name="Рисунок 8">
             <a:extLst>
               <a:ext uri="{FF2B5EF4-FFF2-40B4-BE49-F238E27FC236}">
-                <a16:creationId xmlns:a16="http://schemas.microsoft.com/office/drawing/2014/main" id="{6CF056AC-F109-4688-8952-2FEA17A624A3}"/>
+                <a16:creationId xmlns:a16="http://schemas.microsoft.com/office/drawing/2014/main" id="{3FB49D0E-291B-46AD-8264-CD5188A3A057}"/>
               </a:ext>
             </a:extLst>
           </p:cNvPr>
@@ -6717,19 +5964,30 @@
             <a:spLocks noGrp="1"/>
           </p:cNvSpPr>
           <p:nvPr>
-            <p:ph idx="1"/>
-          </p:nvPr>
-        </p:nvSpPr>
-        <p:spPr>
-          <a:xfrm>
-            <a:off x="677334" y="2160589"/>
-            <a:ext cx="8596668" cy="3880773"/>
-          </a:xfrm>
-        </p:spPr>
-        <p:txBody>
-          <a:bodyPr>
-            <a:normAutofit/>
-          </a:bodyPr>
+            <p:ph type="pic" idx="1"/>
+          </p:nvPr>
+        </p:nvSpPr>
+        <p:spPr/>
+      </p:sp>
+      <p:sp>
+        <p:nvSpPr>
+          <p:cNvPr id="23" name="Текст 22">
+            <a:extLst>
+              <a:ext uri="{FF2B5EF4-FFF2-40B4-BE49-F238E27FC236}">
+                <a16:creationId xmlns:a16="http://schemas.microsoft.com/office/drawing/2014/main" id="{41E9DB8D-DADD-44B4-B24A-443ECADCC1DB}"/>
+              </a:ext>
+            </a:extLst>
+          </p:cNvPr>
+          <p:cNvSpPr>
+            <a:spLocks noGrp="1"/>
+          </p:cNvSpPr>
+          <p:nvPr>
+            <p:ph type="body" sz="half" idx="2"/>
+          </p:nvPr>
+        </p:nvSpPr>
+        <p:spPr/>
+        <p:txBody>
+          <a:bodyPr/>
           <a:lstStyle/>
           <a:p>
             <a:endParaRPr lang="ru-RU"/>
@@ -6744,7 +6002,7 @@
     </p:extLst>
   </p:cSld>
   <p:clrMapOvr>
-    <a:overrideClrMapping bg1="dk1" tx1="lt1" bg2="dk2" tx2="lt2" accent1="accent1" accent2="accent2" accent3="accent3" accent4="accent4" accent5="accent5" accent6="accent6" hlink="hlink" folHlink="folHlink"/>
+    <a:masterClrMapping/>
   </p:clrMapOvr>
 </p:sld>
 </file>
@@ -6774,1378 +6032,6 @@
           <a:chExt cx="0" cy="0"/>
         </a:xfrm>
       </p:grpSpPr>
-      <p:grpSp>
-        <p:nvGrpSpPr>
-          <p:cNvPr id="8" name="Group 7">
-            <a:extLst>
-              <a:ext uri="{FF2B5EF4-FFF2-40B4-BE49-F238E27FC236}">
-                <a16:creationId xmlns:a16="http://schemas.microsoft.com/office/drawing/2014/main" id="{28460BD8-AE3F-4AC9-9D0B-717052AA5D3A}"/>
-              </a:ext>
-              <a:ext uri="{C183D7F6-B498-43B3-948B-1728B52AA6E4}">
-                <adec:decorative xmlns:adec="http://schemas.microsoft.com/office/drawing/2017/decorative" val="1"/>
-              </a:ext>
-            </a:extLst>
-          </p:cNvPr>
-          <p:cNvGrpSpPr>
-            <a:grpSpLocks noGrp="1" noUngrp="1" noRot="1" noChangeAspect="1" noMove="1" noResize="1"/>
-          </p:cNvGrpSpPr>
-          <p:nvPr>
-            <p:extLst>
-              <p:ext uri="{386F3935-93C4-4BCD-93E2-E3B085C9AB24}">
-                <p16:designElem xmlns:p16="http://schemas.microsoft.com/office/powerpoint/2015/main" val="1"/>
-              </p:ext>
-            </p:extLst>
-          </p:nvPr>
-        </p:nvGrpSpPr>
-        <p:grpSpPr>
-          <a:xfrm>
-            <a:off x="0" y="-8467"/>
-            <a:ext cx="12192000" cy="6866467"/>
-            <a:chOff x="0" y="-8467"/>
-            <a:chExt cx="12192000" cy="6866467"/>
-          </a:xfrm>
-        </p:grpSpPr>
-        <p:cxnSp>
-          <p:nvCxnSpPr>
-            <p:cNvPr id="9" name="Straight Connector 8">
-              <a:extLst>
-                <a:ext uri="{FF2B5EF4-FFF2-40B4-BE49-F238E27FC236}">
-                  <a16:creationId xmlns:a16="http://schemas.microsoft.com/office/drawing/2014/main" id="{54420CFE-F482-466E-9E1E-C78513C0B85D}"/>
-                </a:ext>
-                <a:ext uri="{C183D7F6-B498-43B3-948B-1728B52AA6E4}">
-                  <adec:decorative xmlns:adec="http://schemas.microsoft.com/office/drawing/2017/decorative" val="1"/>
-                </a:ext>
-              </a:extLst>
-            </p:cNvPr>
-            <p:cNvCxnSpPr/>
-            <p:nvPr>
-              <p:extLst>
-                <p:ext uri="{386F3935-93C4-4BCD-93E2-E3B085C9AB24}">
-                  <p16:designElem xmlns:p16="http://schemas.microsoft.com/office/powerpoint/2015/main" val="1"/>
-                </p:ext>
-              </p:extLst>
-            </p:nvPr>
-          </p:nvCxnSpPr>
-          <p:spPr>
-            <a:xfrm>
-              <a:off x="9371012" y="0"/>
-              <a:ext cx="1219200" cy="6858000"/>
-            </a:xfrm>
-            <a:prstGeom prst="line">
-              <a:avLst/>
-            </a:prstGeom>
-            <a:ln w="9525">
-              <a:solidFill>
-                <a:schemeClr val="bg1">
-                  <a:lumMod val="75000"/>
-                </a:schemeClr>
-              </a:solidFill>
-            </a:ln>
-          </p:spPr>
-          <p:style>
-            <a:lnRef idx="2">
-              <a:schemeClr val="accent1"/>
-            </a:lnRef>
-            <a:fillRef idx="0">
-              <a:schemeClr val="accent1"/>
-            </a:fillRef>
-            <a:effectRef idx="1">
-              <a:schemeClr val="accent1"/>
-            </a:effectRef>
-            <a:fontRef idx="minor">
-              <a:schemeClr val="tx1"/>
-            </a:fontRef>
-          </p:style>
-        </p:cxnSp>
-        <p:cxnSp>
-          <p:nvCxnSpPr>
-            <p:cNvPr id="10" name="Straight Connector 9">
-              <a:extLst>
-                <a:ext uri="{FF2B5EF4-FFF2-40B4-BE49-F238E27FC236}">
-                  <a16:creationId xmlns:a16="http://schemas.microsoft.com/office/drawing/2014/main" id="{5331032B-BD21-4BDA-920C-12E358052567}"/>
-                </a:ext>
-                <a:ext uri="{C183D7F6-B498-43B3-948B-1728B52AA6E4}">
-                  <adec:decorative xmlns:adec="http://schemas.microsoft.com/office/drawing/2017/decorative" val="1"/>
-                </a:ext>
-              </a:extLst>
-            </p:cNvPr>
-            <p:cNvCxnSpPr/>
-            <p:nvPr>
-              <p:extLst>
-                <p:ext uri="{386F3935-93C4-4BCD-93E2-E3B085C9AB24}">
-                  <p16:designElem xmlns:p16="http://schemas.microsoft.com/office/powerpoint/2015/main" val="1"/>
-                </p:ext>
-              </p:extLst>
-            </p:nvPr>
-          </p:nvCxnSpPr>
-          <p:spPr>
-            <a:xfrm flipH="1">
-              <a:off x="7425267" y="3681413"/>
-              <a:ext cx="4763558" cy="3176587"/>
-            </a:xfrm>
-            <a:prstGeom prst="line">
-              <a:avLst/>
-            </a:prstGeom>
-            <a:ln w="9525">
-              <a:solidFill>
-                <a:schemeClr val="bg1">
-                  <a:lumMod val="85000"/>
-                </a:schemeClr>
-              </a:solidFill>
-            </a:ln>
-          </p:spPr>
-          <p:style>
-            <a:lnRef idx="2">
-              <a:schemeClr val="accent1"/>
-            </a:lnRef>
-            <a:fillRef idx="0">
-              <a:schemeClr val="accent1"/>
-            </a:fillRef>
-            <a:effectRef idx="1">
-              <a:schemeClr val="accent1"/>
-            </a:effectRef>
-            <a:fontRef idx="minor">
-              <a:schemeClr val="tx1"/>
-            </a:fontRef>
-          </p:style>
-        </p:cxnSp>
-        <p:sp>
-          <p:nvSpPr>
-            <p:cNvPr id="11" name="Rectangle 23">
-              <a:extLst>
-                <a:ext uri="{FF2B5EF4-FFF2-40B4-BE49-F238E27FC236}">
-                  <a16:creationId xmlns:a16="http://schemas.microsoft.com/office/drawing/2014/main" id="{E7514DA3-59E7-409E-8A3B-AD097F6E5644}"/>
-                </a:ext>
-                <a:ext uri="{C183D7F6-B498-43B3-948B-1728B52AA6E4}">
-                  <adec:decorative xmlns:adec="http://schemas.microsoft.com/office/drawing/2017/decorative" val="1"/>
-                </a:ext>
-              </a:extLst>
-            </p:cNvPr>
-            <p:cNvSpPr/>
-            <p:nvPr>
-              <p:extLst>
-                <p:ext uri="{386F3935-93C4-4BCD-93E2-E3B085C9AB24}">
-                  <p16:designElem xmlns:p16="http://schemas.microsoft.com/office/powerpoint/2015/main" val="1"/>
-                </p:ext>
-              </p:extLst>
-            </p:nvPr>
-          </p:nvSpPr>
-          <p:spPr>
-            <a:xfrm>
-              <a:off x="9181476" y="-8467"/>
-              <a:ext cx="3007349" cy="6866467"/>
-            </a:xfrm>
-            <a:custGeom>
-              <a:avLst/>
-              <a:gdLst/>
-              <a:ahLst/>
-              <a:cxnLst/>
-              <a:rect l="l" t="t" r="r" b="b"/>
-              <a:pathLst>
-                <a:path w="3007349" h="6866467">
-                  <a:moveTo>
-                    <a:pt x="2045532" y="0"/>
-                  </a:moveTo>
-                  <a:lnTo>
-                    <a:pt x="3007349" y="0"/>
-                  </a:lnTo>
-                  <a:lnTo>
-                    <a:pt x="3007349" y="6866467"/>
-                  </a:lnTo>
-                  <a:lnTo>
-                    <a:pt x="0" y="6866467"/>
-                  </a:lnTo>
-                  <a:lnTo>
-                    <a:pt x="2045532" y="0"/>
-                  </a:lnTo>
-                  <a:close/>
-                </a:path>
-              </a:pathLst>
-            </a:custGeom>
-            <a:solidFill>
-              <a:schemeClr val="accent1">
-                <a:alpha val="30000"/>
-              </a:schemeClr>
-            </a:solidFill>
-            <a:ln>
-              <a:noFill/>
-            </a:ln>
-            <a:effectLst/>
-          </p:spPr>
-          <p:style>
-            <a:lnRef idx="1">
-              <a:schemeClr val="accent1"/>
-            </a:lnRef>
-            <a:fillRef idx="3">
-              <a:schemeClr val="accent1"/>
-            </a:fillRef>
-            <a:effectRef idx="2">
-              <a:schemeClr val="accent1"/>
-            </a:effectRef>
-            <a:fontRef idx="minor">
-              <a:schemeClr val="lt1"/>
-            </a:fontRef>
-          </p:style>
-        </p:sp>
-        <p:sp>
-          <p:nvSpPr>
-            <p:cNvPr id="12" name="Rectangle 25">
-              <a:extLst>
-                <a:ext uri="{FF2B5EF4-FFF2-40B4-BE49-F238E27FC236}">
-                  <a16:creationId xmlns:a16="http://schemas.microsoft.com/office/drawing/2014/main" id="{57B9A2A6-3BE4-4599-9364-F71C5BFD61F8}"/>
-                </a:ext>
-                <a:ext uri="{C183D7F6-B498-43B3-948B-1728B52AA6E4}">
-                  <adec:decorative xmlns:adec="http://schemas.microsoft.com/office/drawing/2017/decorative" val="1"/>
-                </a:ext>
-              </a:extLst>
-            </p:cNvPr>
-            <p:cNvSpPr/>
-            <p:nvPr>
-              <p:extLst>
-                <p:ext uri="{386F3935-93C4-4BCD-93E2-E3B085C9AB24}">
-                  <p16:designElem xmlns:p16="http://schemas.microsoft.com/office/powerpoint/2015/main" val="1"/>
-                </p:ext>
-              </p:extLst>
-            </p:nvPr>
-          </p:nvSpPr>
-          <p:spPr>
-            <a:xfrm>
-              <a:off x="9603442" y="-8467"/>
-              <a:ext cx="2588558" cy="6866467"/>
-            </a:xfrm>
-            <a:custGeom>
-              <a:avLst/>
-              <a:gdLst/>
-              <a:ahLst/>
-              <a:cxnLst/>
-              <a:rect l="l" t="t" r="r" b="b"/>
-              <a:pathLst>
-                <a:path w="2573311" h="6866467">
-                  <a:moveTo>
-                    <a:pt x="0" y="0"/>
-                  </a:moveTo>
-                  <a:lnTo>
-                    <a:pt x="2573311" y="0"/>
-                  </a:lnTo>
-                  <a:lnTo>
-                    <a:pt x="2573311" y="6866467"/>
-                  </a:lnTo>
-                  <a:lnTo>
-                    <a:pt x="1202336" y="6866467"/>
-                  </a:lnTo>
-                  <a:lnTo>
-                    <a:pt x="0" y="0"/>
-                  </a:lnTo>
-                  <a:close/>
-                </a:path>
-              </a:pathLst>
-            </a:custGeom>
-            <a:solidFill>
-              <a:schemeClr val="accent1">
-                <a:alpha val="20000"/>
-              </a:schemeClr>
-            </a:solidFill>
-            <a:ln>
-              <a:noFill/>
-            </a:ln>
-            <a:effectLst/>
-          </p:spPr>
-          <p:style>
-            <a:lnRef idx="1">
-              <a:schemeClr val="accent1"/>
-            </a:lnRef>
-            <a:fillRef idx="3">
-              <a:schemeClr val="accent1"/>
-            </a:fillRef>
-            <a:effectRef idx="2">
-              <a:schemeClr val="accent1"/>
-            </a:effectRef>
-            <a:fontRef idx="minor">
-              <a:schemeClr val="lt1"/>
-            </a:fontRef>
-          </p:style>
-        </p:sp>
-        <p:sp>
-          <p:nvSpPr>
-            <p:cNvPr id="13" name="Isosceles Triangle 12">
-              <a:extLst>
-                <a:ext uri="{FF2B5EF4-FFF2-40B4-BE49-F238E27FC236}">
-                  <a16:creationId xmlns:a16="http://schemas.microsoft.com/office/drawing/2014/main" id="{4FD744C6-4ED8-4BC9-BF68-6BDF701C5DB4}"/>
-                </a:ext>
-                <a:ext uri="{C183D7F6-B498-43B3-948B-1728B52AA6E4}">
-                  <adec:decorative xmlns:adec="http://schemas.microsoft.com/office/drawing/2017/decorative" val="1"/>
-                </a:ext>
-              </a:extLst>
-            </p:cNvPr>
-            <p:cNvSpPr/>
-            <p:nvPr>
-              <p:extLst>
-                <p:ext uri="{386F3935-93C4-4BCD-93E2-E3B085C9AB24}">
-                  <p16:designElem xmlns:p16="http://schemas.microsoft.com/office/powerpoint/2015/main" val="1"/>
-                </p:ext>
-              </p:extLst>
-            </p:nvPr>
-          </p:nvSpPr>
-          <p:spPr>
-            <a:xfrm>
-              <a:off x="8932333" y="3048000"/>
-              <a:ext cx="3259667" cy="3810000"/>
-            </a:xfrm>
-            <a:prstGeom prst="triangle">
-              <a:avLst>
-                <a:gd name="adj" fmla="val 100000"/>
-              </a:avLst>
-            </a:prstGeom>
-            <a:solidFill>
-              <a:schemeClr val="accent2">
-                <a:alpha val="72000"/>
-              </a:schemeClr>
-            </a:solidFill>
-            <a:ln>
-              <a:noFill/>
-            </a:ln>
-            <a:effectLst/>
-          </p:spPr>
-          <p:style>
-            <a:lnRef idx="1">
-              <a:schemeClr val="accent1"/>
-            </a:lnRef>
-            <a:fillRef idx="3">
-              <a:schemeClr val="accent1"/>
-            </a:fillRef>
-            <a:effectRef idx="2">
-              <a:schemeClr val="accent1"/>
-            </a:effectRef>
-            <a:fontRef idx="minor">
-              <a:schemeClr val="lt1"/>
-            </a:fontRef>
-          </p:style>
-        </p:sp>
-        <p:sp>
-          <p:nvSpPr>
-            <p:cNvPr id="14" name="Rectangle 27">
-              <a:extLst>
-                <a:ext uri="{FF2B5EF4-FFF2-40B4-BE49-F238E27FC236}">
-                  <a16:creationId xmlns:a16="http://schemas.microsoft.com/office/drawing/2014/main" id="{092C5BAD-C911-4F8F-A1C5-470268BE668B}"/>
-                </a:ext>
-                <a:ext uri="{C183D7F6-B498-43B3-948B-1728B52AA6E4}">
-                  <adec:decorative xmlns:adec="http://schemas.microsoft.com/office/drawing/2017/decorative" val="1"/>
-                </a:ext>
-              </a:extLst>
-            </p:cNvPr>
-            <p:cNvSpPr/>
-            <p:nvPr>
-              <p:extLst>
-                <p:ext uri="{386F3935-93C4-4BCD-93E2-E3B085C9AB24}">
-                  <p16:designElem xmlns:p16="http://schemas.microsoft.com/office/powerpoint/2015/main" val="1"/>
-                </p:ext>
-              </p:extLst>
-            </p:nvPr>
-          </p:nvSpPr>
-          <p:spPr>
-            <a:xfrm>
-              <a:off x="9334500" y="-8467"/>
-              <a:ext cx="2854326" cy="6866467"/>
-            </a:xfrm>
-            <a:custGeom>
-              <a:avLst/>
-              <a:gdLst/>
-              <a:ahLst/>
-              <a:cxnLst/>
-              <a:rect l="l" t="t" r="r" b="b"/>
-              <a:pathLst>
-                <a:path w="2858013" h="6866467">
-                  <a:moveTo>
-                    <a:pt x="0" y="0"/>
-                  </a:moveTo>
-                  <a:lnTo>
-                    <a:pt x="2858013" y="0"/>
-                  </a:lnTo>
-                  <a:lnTo>
-                    <a:pt x="2858013" y="6866467"/>
-                  </a:lnTo>
-                  <a:lnTo>
-                    <a:pt x="2473942" y="6866467"/>
-                  </a:lnTo>
-                  <a:lnTo>
-                    <a:pt x="0" y="0"/>
-                  </a:lnTo>
-                  <a:close/>
-                </a:path>
-              </a:pathLst>
-            </a:custGeom>
-            <a:solidFill>
-              <a:schemeClr val="accent2">
-                <a:lumMod val="75000"/>
-                <a:alpha val="70000"/>
-              </a:schemeClr>
-            </a:solidFill>
-            <a:ln>
-              <a:noFill/>
-            </a:ln>
-            <a:effectLst/>
-          </p:spPr>
-          <p:style>
-            <a:lnRef idx="1">
-              <a:schemeClr val="accent1"/>
-            </a:lnRef>
-            <a:fillRef idx="3">
-              <a:schemeClr val="accent1"/>
-            </a:fillRef>
-            <a:effectRef idx="2">
-              <a:schemeClr val="accent1"/>
-            </a:effectRef>
-            <a:fontRef idx="minor">
-              <a:schemeClr val="lt1"/>
-            </a:fontRef>
-          </p:style>
-        </p:sp>
-        <p:sp>
-          <p:nvSpPr>
-            <p:cNvPr id="15" name="Rectangle 28">
-              <a:extLst>
-                <a:ext uri="{FF2B5EF4-FFF2-40B4-BE49-F238E27FC236}">
-                  <a16:creationId xmlns:a16="http://schemas.microsoft.com/office/drawing/2014/main" id="{B133D0C8-4EC4-424F-8E70-0482D5B1B653}"/>
-                </a:ext>
-                <a:ext uri="{C183D7F6-B498-43B3-948B-1728B52AA6E4}">
-                  <adec:decorative xmlns:adec="http://schemas.microsoft.com/office/drawing/2017/decorative" val="1"/>
-                </a:ext>
-              </a:extLst>
-            </p:cNvPr>
-            <p:cNvSpPr/>
-            <p:nvPr>
-              <p:extLst>
-                <p:ext uri="{386F3935-93C4-4BCD-93E2-E3B085C9AB24}">
-                  <p16:designElem xmlns:p16="http://schemas.microsoft.com/office/powerpoint/2015/main" val="1"/>
-                </p:ext>
-              </p:extLst>
-            </p:nvPr>
-          </p:nvSpPr>
-          <p:spPr>
-            <a:xfrm>
-              <a:off x="10898730" y="-8467"/>
-              <a:ext cx="1290094" cy="6866467"/>
-            </a:xfrm>
-            <a:custGeom>
-              <a:avLst/>
-              <a:gdLst/>
-              <a:ahLst/>
-              <a:cxnLst/>
-              <a:rect l="l" t="t" r="r" b="b"/>
-              <a:pathLst>
-                <a:path w="1290094" h="6858000">
-                  <a:moveTo>
-                    <a:pt x="1019735" y="0"/>
-                  </a:moveTo>
-                  <a:lnTo>
-                    <a:pt x="1290094" y="0"/>
-                  </a:lnTo>
-                  <a:lnTo>
-                    <a:pt x="1290094" y="6858000"/>
-                  </a:lnTo>
-                  <a:lnTo>
-                    <a:pt x="0" y="6858000"/>
-                  </a:lnTo>
-                  <a:lnTo>
-                    <a:pt x="1019735" y="0"/>
-                  </a:lnTo>
-                  <a:close/>
-                </a:path>
-              </a:pathLst>
-            </a:custGeom>
-            <a:solidFill>
-              <a:schemeClr val="accent1">
-                <a:lumMod val="60000"/>
-                <a:lumOff val="40000"/>
-                <a:alpha val="70000"/>
-              </a:schemeClr>
-            </a:solidFill>
-            <a:ln>
-              <a:noFill/>
-            </a:ln>
-            <a:effectLst/>
-          </p:spPr>
-          <p:style>
-            <a:lnRef idx="1">
-              <a:schemeClr val="accent1"/>
-            </a:lnRef>
-            <a:fillRef idx="3">
-              <a:schemeClr val="accent1"/>
-            </a:fillRef>
-            <a:effectRef idx="2">
-              <a:schemeClr val="accent1"/>
-            </a:effectRef>
-            <a:fontRef idx="minor">
-              <a:schemeClr val="lt1"/>
-            </a:fontRef>
-          </p:style>
-        </p:sp>
-        <p:sp>
-          <p:nvSpPr>
-            <p:cNvPr id="16" name="Rectangle 29">
-              <a:extLst>
-                <a:ext uri="{FF2B5EF4-FFF2-40B4-BE49-F238E27FC236}">
-                  <a16:creationId xmlns:a16="http://schemas.microsoft.com/office/drawing/2014/main" id="{7B1532A0-F4B3-4DE8-B18F-740CAAD25AC4}"/>
-                </a:ext>
-                <a:ext uri="{C183D7F6-B498-43B3-948B-1728B52AA6E4}">
-                  <adec:decorative xmlns:adec="http://schemas.microsoft.com/office/drawing/2017/decorative" val="1"/>
-                </a:ext>
-              </a:extLst>
-            </p:cNvPr>
-            <p:cNvSpPr/>
-            <p:nvPr>
-              <p:extLst>
-                <p:ext uri="{386F3935-93C4-4BCD-93E2-E3B085C9AB24}">
-                  <p16:designElem xmlns:p16="http://schemas.microsoft.com/office/powerpoint/2015/main" val="1"/>
-                </p:ext>
-              </p:extLst>
-            </p:nvPr>
-          </p:nvSpPr>
-          <p:spPr>
-            <a:xfrm>
-              <a:off x="10938999" y="-8467"/>
-              <a:ext cx="1249825" cy="6866467"/>
-            </a:xfrm>
-            <a:custGeom>
-              <a:avLst/>
-              <a:gdLst/>
-              <a:ahLst/>
-              <a:cxnLst/>
-              <a:rect l="l" t="t" r="r" b="b"/>
-              <a:pathLst>
-                <a:path w="1249825" h="6858000">
-                  <a:moveTo>
-                    <a:pt x="0" y="0"/>
-                  </a:moveTo>
-                  <a:lnTo>
-                    <a:pt x="1249825" y="0"/>
-                  </a:lnTo>
-                  <a:lnTo>
-                    <a:pt x="1249825" y="6858000"/>
-                  </a:lnTo>
-                  <a:lnTo>
-                    <a:pt x="1109382" y="6858000"/>
-                  </a:lnTo>
-                  <a:lnTo>
-                    <a:pt x="0" y="0"/>
-                  </a:lnTo>
-                  <a:close/>
-                </a:path>
-              </a:pathLst>
-            </a:custGeom>
-            <a:solidFill>
-              <a:schemeClr val="accent1">
-                <a:alpha val="65000"/>
-              </a:schemeClr>
-            </a:solidFill>
-            <a:ln>
-              <a:noFill/>
-            </a:ln>
-            <a:effectLst/>
-          </p:spPr>
-          <p:style>
-            <a:lnRef idx="1">
-              <a:schemeClr val="accent1"/>
-            </a:lnRef>
-            <a:fillRef idx="3">
-              <a:schemeClr val="accent1"/>
-            </a:fillRef>
-            <a:effectRef idx="2">
-              <a:schemeClr val="accent1"/>
-            </a:effectRef>
-            <a:fontRef idx="minor">
-              <a:schemeClr val="lt1"/>
-            </a:fontRef>
-          </p:style>
-        </p:sp>
-        <p:sp>
-          <p:nvSpPr>
-            <p:cNvPr id="17" name="Isosceles Triangle 16">
-              <a:extLst>
-                <a:ext uri="{FF2B5EF4-FFF2-40B4-BE49-F238E27FC236}">
-                  <a16:creationId xmlns:a16="http://schemas.microsoft.com/office/drawing/2014/main" id="{8EFDD162-BBBA-4062-8BBF-53DBA1091374}"/>
-                </a:ext>
-                <a:ext uri="{C183D7F6-B498-43B3-948B-1728B52AA6E4}">
-                  <adec:decorative xmlns:adec="http://schemas.microsoft.com/office/drawing/2017/decorative" val="1"/>
-                </a:ext>
-              </a:extLst>
-            </p:cNvPr>
-            <p:cNvSpPr/>
-            <p:nvPr>
-              <p:extLst>
-                <p:ext uri="{386F3935-93C4-4BCD-93E2-E3B085C9AB24}">
-                  <p16:designElem xmlns:p16="http://schemas.microsoft.com/office/powerpoint/2015/main" val="1"/>
-                </p:ext>
-              </p:extLst>
-            </p:nvPr>
-          </p:nvSpPr>
-          <p:spPr>
-            <a:xfrm>
-              <a:off x="10371666" y="3589867"/>
-              <a:ext cx="1817159" cy="3268133"/>
-            </a:xfrm>
-            <a:prstGeom prst="triangle">
-              <a:avLst>
-                <a:gd name="adj" fmla="val 100000"/>
-              </a:avLst>
-            </a:prstGeom>
-            <a:solidFill>
-              <a:schemeClr val="accent1">
-                <a:alpha val="80000"/>
-              </a:schemeClr>
-            </a:solidFill>
-            <a:ln>
-              <a:noFill/>
-            </a:ln>
-            <a:effectLst/>
-          </p:spPr>
-          <p:style>
-            <a:lnRef idx="1">
-              <a:schemeClr val="accent1"/>
-            </a:lnRef>
-            <a:fillRef idx="3">
-              <a:schemeClr val="accent1"/>
-            </a:fillRef>
-            <a:effectRef idx="2">
-              <a:schemeClr val="accent1"/>
-            </a:effectRef>
-            <a:fontRef idx="minor">
-              <a:schemeClr val="lt1"/>
-            </a:fontRef>
-          </p:style>
-        </p:sp>
-        <p:sp>
-          <p:nvSpPr>
-            <p:cNvPr id="18" name="Isosceles Triangle 17">
-              <a:extLst>
-                <a:ext uri="{FF2B5EF4-FFF2-40B4-BE49-F238E27FC236}">
-                  <a16:creationId xmlns:a16="http://schemas.microsoft.com/office/drawing/2014/main" id="{DCFC9E65-3E19-4483-B952-25D29683CA56}"/>
-                </a:ext>
-                <a:ext uri="{C183D7F6-B498-43B3-948B-1728B52AA6E4}">
-                  <adec:decorative xmlns:adec="http://schemas.microsoft.com/office/drawing/2017/decorative" val="1"/>
-                </a:ext>
-              </a:extLst>
-            </p:cNvPr>
-            <p:cNvSpPr/>
-            <p:nvPr>
-              <p:extLst>
-                <p:ext uri="{386F3935-93C4-4BCD-93E2-E3B085C9AB24}">
-                  <p16:designElem xmlns:p16="http://schemas.microsoft.com/office/powerpoint/2015/main" val="1"/>
-                </p:ext>
-              </p:extLst>
-            </p:nvPr>
-          </p:nvSpPr>
-          <p:spPr>
-            <a:xfrm rot="10800000">
-              <a:off x="0" y="0"/>
-              <a:ext cx="842596" cy="5666154"/>
-            </a:xfrm>
-            <a:prstGeom prst="triangle">
-              <a:avLst>
-                <a:gd name="adj" fmla="val 100000"/>
-              </a:avLst>
-            </a:prstGeom>
-            <a:solidFill>
-              <a:schemeClr val="accent1">
-                <a:alpha val="85000"/>
-              </a:schemeClr>
-            </a:solidFill>
-            <a:ln>
-              <a:noFill/>
-            </a:ln>
-            <a:effectLst/>
-          </p:spPr>
-          <p:style>
-            <a:lnRef idx="1">
-              <a:schemeClr val="accent1"/>
-            </a:lnRef>
-            <a:fillRef idx="3">
-              <a:schemeClr val="accent1"/>
-            </a:fillRef>
-            <a:effectRef idx="2">
-              <a:schemeClr val="accent1"/>
-            </a:effectRef>
-            <a:fontRef idx="minor">
-              <a:schemeClr val="lt1"/>
-            </a:fontRef>
-          </p:style>
-        </p:sp>
-      </p:grpSp>
-      <p:sp useBgFill="1">
-        <p:nvSpPr>
-          <p:cNvPr id="20" name="Rectangle 19">
-            <a:extLst>
-              <a:ext uri="{FF2B5EF4-FFF2-40B4-BE49-F238E27FC236}">
-                <a16:creationId xmlns:a16="http://schemas.microsoft.com/office/drawing/2014/main" id="{27577DEC-D9A5-404D-9789-702F4319BEC8}"/>
-              </a:ext>
-              <a:ext uri="{C183D7F6-B498-43B3-948B-1728B52AA6E4}">
-                <adec:decorative xmlns:adec="http://schemas.microsoft.com/office/drawing/2017/decorative" val="1"/>
-              </a:ext>
-            </a:extLst>
-          </p:cNvPr>
-          <p:cNvSpPr>
-            <a:spLocks noGrp="1" noRot="1" noChangeAspect="1" noMove="1" noResize="1" noEditPoints="1" noAdjustHandles="1" noChangeArrowheads="1" noChangeShapeType="1" noTextEdit="1"/>
-          </p:cNvSpPr>
-          <p:nvPr>
-            <p:extLst>
-              <p:ext uri="{386F3935-93C4-4BCD-93E2-E3B085C9AB24}">
-                <p16:designElem xmlns:p16="http://schemas.microsoft.com/office/powerpoint/2015/main" val="1"/>
-              </p:ext>
-            </p:extLst>
-          </p:nvPr>
-        </p:nvSpPr>
-        <p:spPr>
-          <a:xfrm>
-            <a:off x="0" y="0"/>
-            <a:ext cx="12192000" cy="6858000"/>
-          </a:xfrm>
-          <a:prstGeom prst="rect">
-            <a:avLst/>
-          </a:prstGeom>
-          <a:ln>
-            <a:noFill/>
-          </a:ln>
-        </p:spPr>
-        <p:style>
-          <a:lnRef idx="2">
-            <a:schemeClr val="accent1">
-              <a:shade val="50000"/>
-            </a:schemeClr>
-          </a:lnRef>
-          <a:fillRef idx="1">
-            <a:schemeClr val="accent1"/>
-          </a:fillRef>
-          <a:effectRef idx="0">
-            <a:schemeClr val="accent1"/>
-          </a:effectRef>
-          <a:fontRef idx="minor">
-            <a:schemeClr val="lt1"/>
-          </a:fontRef>
-        </p:style>
-        <p:txBody>
-          <a:bodyPr rtlCol="0" anchor="ctr"/>
-          <a:lstStyle/>
-          <a:p>
-            <a:pPr algn="ctr"/>
-            <a:endParaRPr lang="en-US"/>
-          </a:p>
-        </p:txBody>
-      </p:sp>
-      <p:grpSp>
-        <p:nvGrpSpPr>
-          <p:cNvPr id="22" name="Group 21">
-            <a:extLst>
-              <a:ext uri="{FF2B5EF4-FFF2-40B4-BE49-F238E27FC236}">
-                <a16:creationId xmlns:a16="http://schemas.microsoft.com/office/drawing/2014/main" id="{CEEA9366-CEA8-4F23-B065-4337F0D836FE}"/>
-              </a:ext>
-              <a:ext uri="{C183D7F6-B498-43B3-948B-1728B52AA6E4}">
-                <adec:decorative xmlns:adec="http://schemas.microsoft.com/office/drawing/2017/decorative" val="1"/>
-              </a:ext>
-            </a:extLst>
-          </p:cNvPr>
-          <p:cNvGrpSpPr>
-            <a:grpSpLocks noGrp="1" noUngrp="1" noRot="1" noChangeAspect="1" noMove="1" noResize="1"/>
-          </p:cNvGrpSpPr>
-          <p:nvPr>
-            <p:extLst>
-              <p:ext uri="{386F3935-93C4-4BCD-93E2-E3B085C9AB24}">
-                <p16:designElem xmlns:p16="http://schemas.microsoft.com/office/powerpoint/2015/main" val="1"/>
-              </p:ext>
-            </p:extLst>
-          </p:nvPr>
-        </p:nvGrpSpPr>
-        <p:grpSpPr>
-          <a:xfrm>
-            <a:off x="0" y="-8467"/>
-            <a:ext cx="12192000" cy="6866467"/>
-            <a:chOff x="0" y="-8467"/>
-            <a:chExt cx="12192000" cy="6866467"/>
-          </a:xfrm>
-        </p:grpSpPr>
-        <p:cxnSp>
-          <p:nvCxnSpPr>
-            <p:cNvPr id="23" name="Straight Connector 22">
-              <a:extLst>
-                <a:ext uri="{FF2B5EF4-FFF2-40B4-BE49-F238E27FC236}">
-                  <a16:creationId xmlns:a16="http://schemas.microsoft.com/office/drawing/2014/main" id="{904A03D6-39B4-4278-9BE1-A07E024499BE}"/>
-                </a:ext>
-                <a:ext uri="{C183D7F6-B498-43B3-948B-1728B52AA6E4}">
-                  <adec:decorative xmlns:adec="http://schemas.microsoft.com/office/drawing/2017/decorative" val="1"/>
-                </a:ext>
-              </a:extLst>
-            </p:cNvPr>
-            <p:cNvCxnSpPr/>
-            <p:nvPr>
-              <p:extLst>
-                <p:ext uri="{386F3935-93C4-4BCD-93E2-E3B085C9AB24}">
-                  <p16:designElem xmlns:p16="http://schemas.microsoft.com/office/powerpoint/2015/main" val="1"/>
-                </p:ext>
-              </p:extLst>
-            </p:nvPr>
-          </p:nvCxnSpPr>
-          <p:spPr>
-            <a:xfrm>
-              <a:off x="9371012" y="0"/>
-              <a:ext cx="1219200" cy="6858000"/>
-            </a:xfrm>
-            <a:prstGeom prst="line">
-              <a:avLst/>
-            </a:prstGeom>
-            <a:ln w="9525">
-              <a:solidFill>
-                <a:srgbClr val="FFFFFF"/>
-              </a:solidFill>
-            </a:ln>
-          </p:spPr>
-          <p:style>
-            <a:lnRef idx="2">
-              <a:schemeClr val="accent1"/>
-            </a:lnRef>
-            <a:fillRef idx="0">
-              <a:schemeClr val="accent1"/>
-            </a:fillRef>
-            <a:effectRef idx="1">
-              <a:schemeClr val="accent1"/>
-            </a:effectRef>
-            <a:fontRef idx="minor">
-              <a:schemeClr val="tx1"/>
-            </a:fontRef>
-          </p:style>
-        </p:cxnSp>
-        <p:cxnSp>
-          <p:nvCxnSpPr>
-            <p:cNvPr id="24" name="Straight Connector 23">
-              <a:extLst>
-                <a:ext uri="{FF2B5EF4-FFF2-40B4-BE49-F238E27FC236}">
-                  <a16:creationId xmlns:a16="http://schemas.microsoft.com/office/drawing/2014/main" id="{FBE459AF-3736-4886-82E0-9B5DA427B5E0}"/>
-                </a:ext>
-                <a:ext uri="{C183D7F6-B498-43B3-948B-1728B52AA6E4}">
-                  <adec:decorative xmlns:adec="http://schemas.microsoft.com/office/drawing/2017/decorative" val="1"/>
-                </a:ext>
-              </a:extLst>
-            </p:cNvPr>
-            <p:cNvCxnSpPr/>
-            <p:nvPr>
-              <p:extLst>
-                <p:ext uri="{386F3935-93C4-4BCD-93E2-E3B085C9AB24}">
-                  <p16:designElem xmlns:p16="http://schemas.microsoft.com/office/powerpoint/2015/main" val="1"/>
-                </p:ext>
-              </p:extLst>
-            </p:nvPr>
-          </p:nvCxnSpPr>
-          <p:spPr>
-            <a:xfrm flipH="1">
-              <a:off x="7425267" y="3681413"/>
-              <a:ext cx="4763558" cy="3176587"/>
-            </a:xfrm>
-            <a:prstGeom prst="line">
-              <a:avLst/>
-            </a:prstGeom>
-            <a:ln w="9525">
-              <a:solidFill>
-                <a:schemeClr val="bg1">
-                  <a:alpha val="80000"/>
-                </a:schemeClr>
-              </a:solidFill>
-            </a:ln>
-          </p:spPr>
-          <p:style>
-            <a:lnRef idx="2">
-              <a:schemeClr val="accent1"/>
-            </a:lnRef>
-            <a:fillRef idx="0">
-              <a:schemeClr val="accent1"/>
-            </a:fillRef>
-            <a:effectRef idx="1">
-              <a:schemeClr val="accent1"/>
-            </a:effectRef>
-            <a:fontRef idx="minor">
-              <a:schemeClr val="tx1"/>
-            </a:fontRef>
-          </p:style>
-        </p:cxnSp>
-        <p:sp>
-          <p:nvSpPr>
-            <p:cNvPr id="25" name="Rectangle 23">
-              <a:extLst>
-                <a:ext uri="{FF2B5EF4-FFF2-40B4-BE49-F238E27FC236}">
-                  <a16:creationId xmlns:a16="http://schemas.microsoft.com/office/drawing/2014/main" id="{4B6B88EF-180C-4E39-8A3F-A52E87110C66}"/>
-                </a:ext>
-                <a:ext uri="{C183D7F6-B498-43B3-948B-1728B52AA6E4}">
-                  <adec:decorative xmlns:adec="http://schemas.microsoft.com/office/drawing/2017/decorative" val="1"/>
-                </a:ext>
-              </a:extLst>
-            </p:cNvPr>
-            <p:cNvSpPr/>
-            <p:nvPr>
-              <p:extLst>
-                <p:ext uri="{386F3935-93C4-4BCD-93E2-E3B085C9AB24}">
-                  <p16:designElem xmlns:p16="http://schemas.microsoft.com/office/powerpoint/2015/main" val="1"/>
-                </p:ext>
-              </p:extLst>
-            </p:nvPr>
-          </p:nvSpPr>
-          <p:spPr>
-            <a:xfrm>
-              <a:off x="9181476" y="-8467"/>
-              <a:ext cx="3007349" cy="6866467"/>
-            </a:xfrm>
-            <a:custGeom>
-              <a:avLst/>
-              <a:gdLst/>
-              <a:ahLst/>
-              <a:cxnLst/>
-              <a:rect l="l" t="t" r="r" b="b"/>
-              <a:pathLst>
-                <a:path w="3007349" h="6866467">
-                  <a:moveTo>
-                    <a:pt x="2045532" y="0"/>
-                  </a:moveTo>
-                  <a:lnTo>
-                    <a:pt x="3007349" y="0"/>
-                  </a:lnTo>
-                  <a:lnTo>
-                    <a:pt x="3007349" y="6866467"/>
-                  </a:lnTo>
-                  <a:lnTo>
-                    <a:pt x="0" y="6866467"/>
-                  </a:lnTo>
-                  <a:lnTo>
-                    <a:pt x="2045532" y="0"/>
-                  </a:lnTo>
-                  <a:close/>
-                </a:path>
-              </a:pathLst>
-            </a:custGeom>
-            <a:solidFill>
-              <a:schemeClr val="accent1">
-                <a:alpha val="30000"/>
-              </a:schemeClr>
-            </a:solidFill>
-            <a:ln>
-              <a:noFill/>
-            </a:ln>
-            <a:effectLst/>
-          </p:spPr>
-          <p:style>
-            <a:lnRef idx="1">
-              <a:schemeClr val="accent1"/>
-            </a:lnRef>
-            <a:fillRef idx="3">
-              <a:schemeClr val="accent1"/>
-            </a:fillRef>
-            <a:effectRef idx="2">
-              <a:schemeClr val="accent1"/>
-            </a:effectRef>
-            <a:fontRef idx="minor">
-              <a:schemeClr val="lt1"/>
-            </a:fontRef>
-          </p:style>
-        </p:sp>
-        <p:sp>
-          <p:nvSpPr>
-            <p:cNvPr id="26" name="Rectangle 25">
-              <a:extLst>
-                <a:ext uri="{FF2B5EF4-FFF2-40B4-BE49-F238E27FC236}">
-                  <a16:creationId xmlns:a16="http://schemas.microsoft.com/office/drawing/2014/main" id="{52DFAACF-64D0-4621-8FF4-E2F03C3E8D15}"/>
-                </a:ext>
-                <a:ext uri="{C183D7F6-B498-43B3-948B-1728B52AA6E4}">
-                  <adec:decorative xmlns:adec="http://schemas.microsoft.com/office/drawing/2017/decorative" val="1"/>
-                </a:ext>
-              </a:extLst>
-            </p:cNvPr>
-            <p:cNvSpPr/>
-            <p:nvPr>
-              <p:extLst>
-                <p:ext uri="{386F3935-93C4-4BCD-93E2-E3B085C9AB24}">
-                  <p16:designElem xmlns:p16="http://schemas.microsoft.com/office/powerpoint/2015/main" val="1"/>
-                </p:ext>
-              </p:extLst>
-            </p:nvPr>
-          </p:nvSpPr>
-          <p:spPr>
-            <a:xfrm>
-              <a:off x="9603442" y="-8467"/>
-              <a:ext cx="2588558" cy="6866467"/>
-            </a:xfrm>
-            <a:custGeom>
-              <a:avLst/>
-              <a:gdLst/>
-              <a:ahLst/>
-              <a:cxnLst/>
-              <a:rect l="l" t="t" r="r" b="b"/>
-              <a:pathLst>
-                <a:path w="2573311" h="6866467">
-                  <a:moveTo>
-                    <a:pt x="0" y="0"/>
-                  </a:moveTo>
-                  <a:lnTo>
-                    <a:pt x="2573311" y="0"/>
-                  </a:lnTo>
-                  <a:lnTo>
-                    <a:pt x="2573311" y="6866467"/>
-                  </a:lnTo>
-                  <a:lnTo>
-                    <a:pt x="1202336" y="6866467"/>
-                  </a:lnTo>
-                  <a:lnTo>
-                    <a:pt x="0" y="0"/>
-                  </a:lnTo>
-                  <a:close/>
-                </a:path>
-              </a:pathLst>
-            </a:custGeom>
-            <a:solidFill>
-              <a:schemeClr val="accent1">
-                <a:alpha val="20000"/>
-              </a:schemeClr>
-            </a:solidFill>
-            <a:ln>
-              <a:noFill/>
-            </a:ln>
-            <a:effectLst/>
-          </p:spPr>
-          <p:style>
-            <a:lnRef idx="1">
-              <a:schemeClr val="accent1"/>
-            </a:lnRef>
-            <a:fillRef idx="3">
-              <a:schemeClr val="accent1"/>
-            </a:fillRef>
-            <a:effectRef idx="2">
-              <a:schemeClr val="accent1"/>
-            </a:effectRef>
-            <a:fontRef idx="minor">
-              <a:schemeClr val="lt1"/>
-            </a:fontRef>
-          </p:style>
-        </p:sp>
-        <p:sp>
-          <p:nvSpPr>
-            <p:cNvPr id="27" name="Isosceles Triangle 26">
-              <a:extLst>
-                <a:ext uri="{FF2B5EF4-FFF2-40B4-BE49-F238E27FC236}">
-                  <a16:creationId xmlns:a16="http://schemas.microsoft.com/office/drawing/2014/main" id="{36611FF0-65B3-49DB-97C6-1B72AAD0FB02}"/>
-                </a:ext>
-                <a:ext uri="{C183D7F6-B498-43B3-948B-1728B52AA6E4}">
-                  <adec:decorative xmlns:adec="http://schemas.microsoft.com/office/drawing/2017/decorative" val="1"/>
-                </a:ext>
-              </a:extLst>
-            </p:cNvPr>
-            <p:cNvSpPr/>
-            <p:nvPr>
-              <p:extLst>
-                <p:ext uri="{386F3935-93C4-4BCD-93E2-E3B085C9AB24}">
-                  <p16:designElem xmlns:p16="http://schemas.microsoft.com/office/powerpoint/2015/main" val="1"/>
-                </p:ext>
-              </p:extLst>
-            </p:nvPr>
-          </p:nvSpPr>
-          <p:spPr>
-            <a:xfrm>
-              <a:off x="8932333" y="3048000"/>
-              <a:ext cx="3259667" cy="3810000"/>
-            </a:xfrm>
-            <a:prstGeom prst="triangle">
-              <a:avLst>
-                <a:gd name="adj" fmla="val 100000"/>
-              </a:avLst>
-            </a:prstGeom>
-            <a:solidFill>
-              <a:schemeClr val="accent2">
-                <a:alpha val="72000"/>
-              </a:schemeClr>
-            </a:solidFill>
-            <a:ln>
-              <a:noFill/>
-            </a:ln>
-            <a:effectLst/>
-          </p:spPr>
-          <p:style>
-            <a:lnRef idx="1">
-              <a:schemeClr val="accent1"/>
-            </a:lnRef>
-            <a:fillRef idx="3">
-              <a:schemeClr val="accent1"/>
-            </a:fillRef>
-            <a:effectRef idx="2">
-              <a:schemeClr val="accent1"/>
-            </a:effectRef>
-            <a:fontRef idx="minor">
-              <a:schemeClr val="lt1"/>
-            </a:fontRef>
-          </p:style>
-        </p:sp>
-        <p:sp>
-          <p:nvSpPr>
-            <p:cNvPr id="28" name="Rectangle 27">
-              <a:extLst>
-                <a:ext uri="{FF2B5EF4-FFF2-40B4-BE49-F238E27FC236}">
-                  <a16:creationId xmlns:a16="http://schemas.microsoft.com/office/drawing/2014/main" id="{0F7407FE-86B1-4890-9D80-9406FBF29E46}"/>
-                </a:ext>
-                <a:ext uri="{C183D7F6-B498-43B3-948B-1728B52AA6E4}">
-                  <adec:decorative xmlns:adec="http://schemas.microsoft.com/office/drawing/2017/decorative" val="1"/>
-                </a:ext>
-              </a:extLst>
-            </p:cNvPr>
-            <p:cNvSpPr/>
-            <p:nvPr>
-              <p:extLst>
-                <p:ext uri="{386F3935-93C4-4BCD-93E2-E3B085C9AB24}">
-                  <p16:designElem xmlns:p16="http://schemas.microsoft.com/office/powerpoint/2015/main" val="1"/>
-                </p:ext>
-              </p:extLst>
-            </p:nvPr>
-          </p:nvSpPr>
-          <p:spPr>
-            <a:xfrm>
-              <a:off x="9334500" y="-8467"/>
-              <a:ext cx="2854326" cy="6866467"/>
-            </a:xfrm>
-            <a:custGeom>
-              <a:avLst/>
-              <a:gdLst/>
-              <a:ahLst/>
-              <a:cxnLst/>
-              <a:rect l="l" t="t" r="r" b="b"/>
-              <a:pathLst>
-                <a:path w="2858013" h="6866467">
-                  <a:moveTo>
-                    <a:pt x="0" y="0"/>
-                  </a:moveTo>
-                  <a:lnTo>
-                    <a:pt x="2858013" y="0"/>
-                  </a:lnTo>
-                  <a:lnTo>
-                    <a:pt x="2858013" y="6866467"/>
-                  </a:lnTo>
-                  <a:lnTo>
-                    <a:pt x="2473942" y="6866467"/>
-                  </a:lnTo>
-                  <a:lnTo>
-                    <a:pt x="0" y="0"/>
-                  </a:lnTo>
-                  <a:close/>
-                </a:path>
-              </a:pathLst>
-            </a:custGeom>
-            <a:solidFill>
-              <a:schemeClr val="accent2">
-                <a:lumMod val="75000"/>
-                <a:alpha val="70000"/>
-              </a:schemeClr>
-            </a:solidFill>
-            <a:ln>
-              <a:noFill/>
-            </a:ln>
-            <a:effectLst/>
-          </p:spPr>
-          <p:style>
-            <a:lnRef idx="1">
-              <a:schemeClr val="accent1"/>
-            </a:lnRef>
-            <a:fillRef idx="3">
-              <a:schemeClr val="accent1"/>
-            </a:fillRef>
-            <a:effectRef idx="2">
-              <a:schemeClr val="accent1"/>
-            </a:effectRef>
-            <a:fontRef idx="minor">
-              <a:schemeClr val="lt1"/>
-            </a:fontRef>
-          </p:style>
-        </p:sp>
-        <p:sp>
-          <p:nvSpPr>
-            <p:cNvPr id="29" name="Rectangle 29">
-              <a:extLst>
-                <a:ext uri="{FF2B5EF4-FFF2-40B4-BE49-F238E27FC236}">
-                  <a16:creationId xmlns:a16="http://schemas.microsoft.com/office/drawing/2014/main" id="{EBD42D5B-8F87-45B3-98B3-C66944F92E65}"/>
-                </a:ext>
-                <a:ext uri="{C183D7F6-B498-43B3-948B-1728B52AA6E4}">
-                  <adec:decorative xmlns:adec="http://schemas.microsoft.com/office/drawing/2017/decorative" val="1"/>
-                </a:ext>
-              </a:extLst>
-            </p:cNvPr>
-            <p:cNvSpPr/>
-            <p:nvPr>
-              <p:extLst>
-                <p:ext uri="{386F3935-93C4-4BCD-93E2-E3B085C9AB24}">
-                  <p16:designElem xmlns:p16="http://schemas.microsoft.com/office/powerpoint/2015/main" val="1"/>
-                </p:ext>
-              </p:extLst>
-            </p:nvPr>
-          </p:nvSpPr>
-          <p:spPr>
-            <a:xfrm>
-              <a:off x="10938999" y="-8467"/>
-              <a:ext cx="1249825" cy="6866467"/>
-            </a:xfrm>
-            <a:custGeom>
-              <a:avLst/>
-              <a:gdLst/>
-              <a:ahLst/>
-              <a:cxnLst/>
-              <a:rect l="l" t="t" r="r" b="b"/>
-              <a:pathLst>
-                <a:path w="1249825" h="6858000">
-                  <a:moveTo>
-                    <a:pt x="0" y="0"/>
-                  </a:moveTo>
-                  <a:lnTo>
-                    <a:pt x="1249825" y="0"/>
-                  </a:lnTo>
-                  <a:lnTo>
-                    <a:pt x="1249825" y="6858000"/>
-                  </a:lnTo>
-                  <a:lnTo>
-                    <a:pt x="1109382" y="6858000"/>
-                  </a:lnTo>
-                  <a:lnTo>
-                    <a:pt x="0" y="0"/>
-                  </a:lnTo>
-                  <a:close/>
-                </a:path>
-              </a:pathLst>
-            </a:custGeom>
-            <a:solidFill>
-              <a:schemeClr val="accent1">
-                <a:alpha val="65000"/>
-              </a:schemeClr>
-            </a:solidFill>
-            <a:ln>
-              <a:noFill/>
-            </a:ln>
-            <a:effectLst/>
-          </p:spPr>
-          <p:style>
-            <a:lnRef idx="1">
-              <a:schemeClr val="accent1"/>
-            </a:lnRef>
-            <a:fillRef idx="3">
-              <a:schemeClr val="accent1"/>
-            </a:fillRef>
-            <a:effectRef idx="2">
-              <a:schemeClr val="accent1"/>
-            </a:effectRef>
-            <a:fontRef idx="minor">
-              <a:schemeClr val="lt1"/>
-            </a:fontRef>
-          </p:style>
-        </p:sp>
-        <p:sp>
-          <p:nvSpPr>
-            <p:cNvPr id="30" name="Isosceles Triangle 29">
-              <a:extLst>
-                <a:ext uri="{FF2B5EF4-FFF2-40B4-BE49-F238E27FC236}">
-                  <a16:creationId xmlns:a16="http://schemas.microsoft.com/office/drawing/2014/main" id="{F5E04699-59E1-4468-9E7C-83070EEB4204}"/>
-                </a:ext>
-                <a:ext uri="{C183D7F6-B498-43B3-948B-1728B52AA6E4}">
-                  <adec:decorative xmlns:adec="http://schemas.microsoft.com/office/drawing/2017/decorative" val="1"/>
-                </a:ext>
-              </a:extLst>
-            </p:cNvPr>
-            <p:cNvSpPr/>
-            <p:nvPr>
-              <p:extLst>
-                <p:ext uri="{386F3935-93C4-4BCD-93E2-E3B085C9AB24}">
-                  <p16:designElem xmlns:p16="http://schemas.microsoft.com/office/powerpoint/2015/main" val="1"/>
-                </p:ext>
-              </p:extLst>
-            </p:nvPr>
-          </p:nvSpPr>
-          <p:spPr>
-            <a:xfrm>
-              <a:off x="10371666" y="3589867"/>
-              <a:ext cx="1817159" cy="3268133"/>
-            </a:xfrm>
-            <a:prstGeom prst="triangle">
-              <a:avLst>
-                <a:gd name="adj" fmla="val 100000"/>
-              </a:avLst>
-            </a:prstGeom>
-            <a:solidFill>
-              <a:schemeClr val="accent1">
-                <a:alpha val="80000"/>
-              </a:schemeClr>
-            </a:solidFill>
-            <a:ln>
-              <a:noFill/>
-            </a:ln>
-            <a:effectLst/>
-          </p:spPr>
-          <p:style>
-            <a:lnRef idx="1">
-              <a:schemeClr val="accent1"/>
-            </a:lnRef>
-            <a:fillRef idx="3">
-              <a:schemeClr val="accent1"/>
-            </a:fillRef>
-            <a:effectRef idx="2">
-              <a:schemeClr val="accent1"/>
-            </a:effectRef>
-            <a:fontRef idx="minor">
-              <a:schemeClr val="lt1"/>
-            </a:fontRef>
-          </p:style>
-        </p:sp>
-        <p:sp>
-          <p:nvSpPr>
-            <p:cNvPr id="31" name="Isosceles Triangle 30">
-              <a:extLst>
-                <a:ext uri="{FF2B5EF4-FFF2-40B4-BE49-F238E27FC236}">
-                  <a16:creationId xmlns:a16="http://schemas.microsoft.com/office/drawing/2014/main" id="{F2AE8F13-9A52-4D7F-9637-321EA7CF3212}"/>
-                </a:ext>
-                <a:ext uri="{C183D7F6-B498-43B3-948B-1728B52AA6E4}">
-                  <adec:decorative xmlns:adec="http://schemas.microsoft.com/office/drawing/2017/decorative" val="1"/>
-                </a:ext>
-              </a:extLst>
-            </p:cNvPr>
-            <p:cNvSpPr/>
-            <p:nvPr>
-              <p:extLst>
-                <p:ext uri="{386F3935-93C4-4BCD-93E2-E3B085C9AB24}">
-                  <p16:designElem xmlns:p16="http://schemas.microsoft.com/office/powerpoint/2015/main" val="1"/>
-                </p:ext>
-              </p:extLst>
-            </p:nvPr>
-          </p:nvSpPr>
-          <p:spPr>
-            <a:xfrm rot="10800000">
-              <a:off x="0" y="0"/>
-              <a:ext cx="842596" cy="5666154"/>
-            </a:xfrm>
-            <a:prstGeom prst="triangle">
-              <a:avLst>
-                <a:gd name="adj" fmla="val 100000"/>
-              </a:avLst>
-            </a:prstGeom>
-            <a:solidFill>
-              <a:schemeClr val="accent1">
-                <a:alpha val="85000"/>
-              </a:schemeClr>
-            </a:solidFill>
-            <a:ln>
-              <a:noFill/>
-            </a:ln>
-            <a:effectLst/>
-          </p:spPr>
-          <p:style>
-            <a:lnRef idx="1">
-              <a:schemeClr val="accent1"/>
-            </a:lnRef>
-            <a:fillRef idx="3">
-              <a:schemeClr val="accent1"/>
-            </a:fillRef>
-            <a:effectRef idx="2">
-              <a:schemeClr val="accent1"/>
-            </a:effectRef>
-            <a:fontRef idx="minor">
-              <a:schemeClr val="lt1"/>
-            </a:fontRef>
-          </p:style>
-        </p:sp>
-      </p:grpSp>
       <p:sp>
         <p:nvSpPr>
           <p:cNvPr id="2" name="Заголовок 1">
@@ -8164,8 +6050,8 @@
         </p:nvSpPr>
         <p:spPr>
           <a:xfrm>
-            <a:off x="1507067" y="2404534"/>
-            <a:ext cx="7766936" cy="1646302"/>
+            <a:off x="677335" y="609600"/>
+            <a:ext cx="8596668" cy="1219200"/>
           </a:xfrm>
         </p:spPr>
         <p:txBody>
@@ -8176,9 +6062,39 @@
           <a:p>
             <a:pPr algn="r"/>
             <a:r>
-              <a:rPr lang="en-US" sz="5400"/>
+              <a:rPr lang="en-US" sz="5400" dirty="0"/>
               <a:t>2</a:t>
             </a:r>
+          </a:p>
+        </p:txBody>
+      </p:sp>
+      <p:sp>
+        <p:nvSpPr>
+          <p:cNvPr id="3" name="Текст 2">
+            <a:extLst>
+              <a:ext uri="{FF2B5EF4-FFF2-40B4-BE49-F238E27FC236}">
+                <a16:creationId xmlns:a16="http://schemas.microsoft.com/office/drawing/2014/main" id="{4E809FB7-CD19-430B-AE34-9560379F1DCD}"/>
+              </a:ext>
+            </a:extLst>
+          </p:cNvPr>
+          <p:cNvSpPr>
+            <a:spLocks noGrp="1"/>
+          </p:cNvSpPr>
+          <p:nvPr>
+            <p:ph type="body" idx="1"/>
+          </p:nvPr>
+        </p:nvSpPr>
+        <p:spPr>
+          <a:xfrm>
+            <a:off x="677335" y="1828800"/>
+            <a:ext cx="8596668" cy="4212562"/>
+          </a:xfrm>
+        </p:spPr>
+        <p:txBody>
+          <a:bodyPr/>
+          <a:lstStyle/>
+          <a:p>
+            <a:endParaRPr lang="ru-RU" dirty="0"/>
           </a:p>
         </p:txBody>
       </p:sp>
@@ -8201,7 +6117,7 @@
     <p:bg>
       <p:bgPr>
         <a:solidFill>
-          <a:schemeClr val="bg2"/>
+          <a:schemeClr val="bg1"/>
         </a:solidFill>
         <a:effectLst/>
       </p:bgPr>
@@ -8220,1360 +6136,6 @@
           <a:chExt cx="0" cy="0"/>
         </a:xfrm>
       </p:grpSpPr>
-      <p:grpSp>
-        <p:nvGrpSpPr>
-          <p:cNvPr id="8" name="Group 7">
-            <a:extLst>
-              <a:ext uri="{FF2B5EF4-FFF2-40B4-BE49-F238E27FC236}">
-                <a16:creationId xmlns:a16="http://schemas.microsoft.com/office/drawing/2014/main" id="{28460BD8-AE3F-4AC9-9D0B-717052AA5D3A}"/>
-              </a:ext>
-              <a:ext uri="{C183D7F6-B498-43B3-948B-1728B52AA6E4}">
-                <adec:decorative xmlns:adec="http://schemas.microsoft.com/office/drawing/2017/decorative" val="1"/>
-              </a:ext>
-            </a:extLst>
-          </p:cNvPr>
-          <p:cNvGrpSpPr>
-            <a:grpSpLocks noGrp="1" noUngrp="1" noRot="1" noChangeAspect="1" noMove="1" noResize="1"/>
-          </p:cNvGrpSpPr>
-          <p:nvPr>
-            <p:extLst>
-              <p:ext uri="{386F3935-93C4-4BCD-93E2-E3B085C9AB24}">
-                <p16:designElem xmlns:p16="http://schemas.microsoft.com/office/powerpoint/2015/main" val="1"/>
-              </p:ext>
-            </p:extLst>
-          </p:nvPr>
-        </p:nvGrpSpPr>
-        <p:grpSpPr>
-          <a:xfrm>
-            <a:off x="0" y="-8467"/>
-            <a:ext cx="12192000" cy="6866467"/>
-            <a:chOff x="0" y="-8467"/>
-            <a:chExt cx="12192000" cy="6866467"/>
-          </a:xfrm>
-        </p:grpSpPr>
-        <p:cxnSp>
-          <p:nvCxnSpPr>
-            <p:cNvPr id="9" name="Straight Connector 8">
-              <a:extLst>
-                <a:ext uri="{FF2B5EF4-FFF2-40B4-BE49-F238E27FC236}">
-                  <a16:creationId xmlns:a16="http://schemas.microsoft.com/office/drawing/2014/main" id="{54420CFE-F482-466E-9E1E-C78513C0B85D}"/>
-                </a:ext>
-                <a:ext uri="{C183D7F6-B498-43B3-948B-1728B52AA6E4}">
-                  <adec:decorative xmlns:adec="http://schemas.microsoft.com/office/drawing/2017/decorative" val="1"/>
-                </a:ext>
-              </a:extLst>
-            </p:cNvPr>
-            <p:cNvCxnSpPr/>
-            <p:nvPr>
-              <p:extLst>
-                <p:ext uri="{386F3935-93C4-4BCD-93E2-E3B085C9AB24}">
-                  <p16:designElem xmlns:p16="http://schemas.microsoft.com/office/powerpoint/2015/main" val="1"/>
-                </p:ext>
-              </p:extLst>
-            </p:nvPr>
-          </p:nvCxnSpPr>
-          <p:spPr>
-            <a:xfrm>
-              <a:off x="9371012" y="0"/>
-              <a:ext cx="1219200" cy="6858000"/>
-            </a:xfrm>
-            <a:prstGeom prst="line">
-              <a:avLst/>
-            </a:prstGeom>
-            <a:ln w="9525">
-              <a:solidFill>
-                <a:schemeClr val="bg1">
-                  <a:lumMod val="75000"/>
-                </a:schemeClr>
-              </a:solidFill>
-            </a:ln>
-          </p:spPr>
-          <p:style>
-            <a:lnRef idx="2">
-              <a:schemeClr val="accent1"/>
-            </a:lnRef>
-            <a:fillRef idx="0">
-              <a:schemeClr val="accent1"/>
-            </a:fillRef>
-            <a:effectRef idx="1">
-              <a:schemeClr val="accent1"/>
-            </a:effectRef>
-            <a:fontRef idx="minor">
-              <a:schemeClr val="tx1"/>
-            </a:fontRef>
-          </p:style>
-        </p:cxnSp>
-        <p:cxnSp>
-          <p:nvCxnSpPr>
-            <p:cNvPr id="10" name="Straight Connector 9">
-              <a:extLst>
-                <a:ext uri="{FF2B5EF4-FFF2-40B4-BE49-F238E27FC236}">
-                  <a16:creationId xmlns:a16="http://schemas.microsoft.com/office/drawing/2014/main" id="{5331032B-BD21-4BDA-920C-12E358052567}"/>
-                </a:ext>
-                <a:ext uri="{C183D7F6-B498-43B3-948B-1728B52AA6E4}">
-                  <adec:decorative xmlns:adec="http://schemas.microsoft.com/office/drawing/2017/decorative" val="1"/>
-                </a:ext>
-              </a:extLst>
-            </p:cNvPr>
-            <p:cNvCxnSpPr/>
-            <p:nvPr>
-              <p:extLst>
-                <p:ext uri="{386F3935-93C4-4BCD-93E2-E3B085C9AB24}">
-                  <p16:designElem xmlns:p16="http://schemas.microsoft.com/office/powerpoint/2015/main" val="1"/>
-                </p:ext>
-              </p:extLst>
-            </p:nvPr>
-          </p:nvCxnSpPr>
-          <p:spPr>
-            <a:xfrm flipH="1">
-              <a:off x="7425267" y="3681413"/>
-              <a:ext cx="4763558" cy="3176587"/>
-            </a:xfrm>
-            <a:prstGeom prst="line">
-              <a:avLst/>
-            </a:prstGeom>
-            <a:ln w="9525">
-              <a:solidFill>
-                <a:schemeClr val="bg1">
-                  <a:lumMod val="85000"/>
-                </a:schemeClr>
-              </a:solidFill>
-            </a:ln>
-          </p:spPr>
-          <p:style>
-            <a:lnRef idx="2">
-              <a:schemeClr val="accent1"/>
-            </a:lnRef>
-            <a:fillRef idx="0">
-              <a:schemeClr val="accent1"/>
-            </a:fillRef>
-            <a:effectRef idx="1">
-              <a:schemeClr val="accent1"/>
-            </a:effectRef>
-            <a:fontRef idx="minor">
-              <a:schemeClr val="tx1"/>
-            </a:fontRef>
-          </p:style>
-        </p:cxnSp>
-        <p:sp>
-          <p:nvSpPr>
-            <p:cNvPr id="11" name="Rectangle 23">
-              <a:extLst>
-                <a:ext uri="{FF2B5EF4-FFF2-40B4-BE49-F238E27FC236}">
-                  <a16:creationId xmlns:a16="http://schemas.microsoft.com/office/drawing/2014/main" id="{E7514DA3-59E7-409E-8A3B-AD097F6E5644}"/>
-                </a:ext>
-                <a:ext uri="{C183D7F6-B498-43B3-948B-1728B52AA6E4}">
-                  <adec:decorative xmlns:adec="http://schemas.microsoft.com/office/drawing/2017/decorative" val="1"/>
-                </a:ext>
-              </a:extLst>
-            </p:cNvPr>
-            <p:cNvSpPr/>
-            <p:nvPr>
-              <p:extLst>
-                <p:ext uri="{386F3935-93C4-4BCD-93E2-E3B085C9AB24}">
-                  <p16:designElem xmlns:p16="http://schemas.microsoft.com/office/powerpoint/2015/main" val="1"/>
-                </p:ext>
-              </p:extLst>
-            </p:nvPr>
-          </p:nvSpPr>
-          <p:spPr>
-            <a:xfrm>
-              <a:off x="9181476" y="-8467"/>
-              <a:ext cx="3007349" cy="6866467"/>
-            </a:xfrm>
-            <a:custGeom>
-              <a:avLst/>
-              <a:gdLst/>
-              <a:ahLst/>
-              <a:cxnLst/>
-              <a:rect l="l" t="t" r="r" b="b"/>
-              <a:pathLst>
-                <a:path w="3007349" h="6866467">
-                  <a:moveTo>
-                    <a:pt x="2045532" y="0"/>
-                  </a:moveTo>
-                  <a:lnTo>
-                    <a:pt x="3007349" y="0"/>
-                  </a:lnTo>
-                  <a:lnTo>
-                    <a:pt x="3007349" y="6866467"/>
-                  </a:lnTo>
-                  <a:lnTo>
-                    <a:pt x="0" y="6866467"/>
-                  </a:lnTo>
-                  <a:lnTo>
-                    <a:pt x="2045532" y="0"/>
-                  </a:lnTo>
-                  <a:close/>
-                </a:path>
-              </a:pathLst>
-            </a:custGeom>
-            <a:solidFill>
-              <a:schemeClr val="accent1">
-                <a:alpha val="30000"/>
-              </a:schemeClr>
-            </a:solidFill>
-            <a:ln>
-              <a:noFill/>
-            </a:ln>
-            <a:effectLst/>
-          </p:spPr>
-          <p:style>
-            <a:lnRef idx="1">
-              <a:schemeClr val="accent1"/>
-            </a:lnRef>
-            <a:fillRef idx="3">
-              <a:schemeClr val="accent1"/>
-            </a:fillRef>
-            <a:effectRef idx="2">
-              <a:schemeClr val="accent1"/>
-            </a:effectRef>
-            <a:fontRef idx="minor">
-              <a:schemeClr val="lt1"/>
-            </a:fontRef>
-          </p:style>
-        </p:sp>
-        <p:sp>
-          <p:nvSpPr>
-            <p:cNvPr id="12" name="Rectangle 25">
-              <a:extLst>
-                <a:ext uri="{FF2B5EF4-FFF2-40B4-BE49-F238E27FC236}">
-                  <a16:creationId xmlns:a16="http://schemas.microsoft.com/office/drawing/2014/main" id="{57B9A2A6-3BE4-4599-9364-F71C5BFD61F8}"/>
-                </a:ext>
-                <a:ext uri="{C183D7F6-B498-43B3-948B-1728B52AA6E4}">
-                  <adec:decorative xmlns:adec="http://schemas.microsoft.com/office/drawing/2017/decorative" val="1"/>
-                </a:ext>
-              </a:extLst>
-            </p:cNvPr>
-            <p:cNvSpPr/>
-            <p:nvPr>
-              <p:extLst>
-                <p:ext uri="{386F3935-93C4-4BCD-93E2-E3B085C9AB24}">
-                  <p16:designElem xmlns:p16="http://schemas.microsoft.com/office/powerpoint/2015/main" val="1"/>
-                </p:ext>
-              </p:extLst>
-            </p:nvPr>
-          </p:nvSpPr>
-          <p:spPr>
-            <a:xfrm>
-              <a:off x="9603442" y="-8467"/>
-              <a:ext cx="2588558" cy="6866467"/>
-            </a:xfrm>
-            <a:custGeom>
-              <a:avLst/>
-              <a:gdLst/>
-              <a:ahLst/>
-              <a:cxnLst/>
-              <a:rect l="l" t="t" r="r" b="b"/>
-              <a:pathLst>
-                <a:path w="2573311" h="6866467">
-                  <a:moveTo>
-                    <a:pt x="0" y="0"/>
-                  </a:moveTo>
-                  <a:lnTo>
-                    <a:pt x="2573311" y="0"/>
-                  </a:lnTo>
-                  <a:lnTo>
-                    <a:pt x="2573311" y="6866467"/>
-                  </a:lnTo>
-                  <a:lnTo>
-                    <a:pt x="1202336" y="6866467"/>
-                  </a:lnTo>
-                  <a:lnTo>
-                    <a:pt x="0" y="0"/>
-                  </a:lnTo>
-                  <a:close/>
-                </a:path>
-              </a:pathLst>
-            </a:custGeom>
-            <a:solidFill>
-              <a:schemeClr val="accent1">
-                <a:alpha val="20000"/>
-              </a:schemeClr>
-            </a:solidFill>
-            <a:ln>
-              <a:noFill/>
-            </a:ln>
-            <a:effectLst/>
-          </p:spPr>
-          <p:style>
-            <a:lnRef idx="1">
-              <a:schemeClr val="accent1"/>
-            </a:lnRef>
-            <a:fillRef idx="3">
-              <a:schemeClr val="accent1"/>
-            </a:fillRef>
-            <a:effectRef idx="2">
-              <a:schemeClr val="accent1"/>
-            </a:effectRef>
-            <a:fontRef idx="minor">
-              <a:schemeClr val="lt1"/>
-            </a:fontRef>
-          </p:style>
-        </p:sp>
-        <p:sp>
-          <p:nvSpPr>
-            <p:cNvPr id="13" name="Isosceles Triangle 12">
-              <a:extLst>
-                <a:ext uri="{FF2B5EF4-FFF2-40B4-BE49-F238E27FC236}">
-                  <a16:creationId xmlns:a16="http://schemas.microsoft.com/office/drawing/2014/main" id="{4FD744C6-4ED8-4BC9-BF68-6BDF701C5DB4}"/>
-                </a:ext>
-                <a:ext uri="{C183D7F6-B498-43B3-948B-1728B52AA6E4}">
-                  <adec:decorative xmlns:adec="http://schemas.microsoft.com/office/drawing/2017/decorative" val="1"/>
-                </a:ext>
-              </a:extLst>
-            </p:cNvPr>
-            <p:cNvSpPr/>
-            <p:nvPr>
-              <p:extLst>
-                <p:ext uri="{386F3935-93C4-4BCD-93E2-E3B085C9AB24}">
-                  <p16:designElem xmlns:p16="http://schemas.microsoft.com/office/powerpoint/2015/main" val="1"/>
-                </p:ext>
-              </p:extLst>
-            </p:nvPr>
-          </p:nvSpPr>
-          <p:spPr>
-            <a:xfrm>
-              <a:off x="8932333" y="3048000"/>
-              <a:ext cx="3259667" cy="3810000"/>
-            </a:xfrm>
-            <a:prstGeom prst="triangle">
-              <a:avLst>
-                <a:gd name="adj" fmla="val 100000"/>
-              </a:avLst>
-            </a:prstGeom>
-            <a:solidFill>
-              <a:schemeClr val="accent2">
-                <a:alpha val="72000"/>
-              </a:schemeClr>
-            </a:solidFill>
-            <a:ln>
-              <a:noFill/>
-            </a:ln>
-            <a:effectLst/>
-          </p:spPr>
-          <p:style>
-            <a:lnRef idx="1">
-              <a:schemeClr val="accent1"/>
-            </a:lnRef>
-            <a:fillRef idx="3">
-              <a:schemeClr val="accent1"/>
-            </a:fillRef>
-            <a:effectRef idx="2">
-              <a:schemeClr val="accent1"/>
-            </a:effectRef>
-            <a:fontRef idx="minor">
-              <a:schemeClr val="lt1"/>
-            </a:fontRef>
-          </p:style>
-        </p:sp>
-        <p:sp>
-          <p:nvSpPr>
-            <p:cNvPr id="14" name="Rectangle 27">
-              <a:extLst>
-                <a:ext uri="{FF2B5EF4-FFF2-40B4-BE49-F238E27FC236}">
-                  <a16:creationId xmlns:a16="http://schemas.microsoft.com/office/drawing/2014/main" id="{092C5BAD-C911-4F8F-A1C5-470268BE668B}"/>
-                </a:ext>
-                <a:ext uri="{C183D7F6-B498-43B3-948B-1728B52AA6E4}">
-                  <adec:decorative xmlns:adec="http://schemas.microsoft.com/office/drawing/2017/decorative" val="1"/>
-                </a:ext>
-              </a:extLst>
-            </p:cNvPr>
-            <p:cNvSpPr/>
-            <p:nvPr>
-              <p:extLst>
-                <p:ext uri="{386F3935-93C4-4BCD-93E2-E3B085C9AB24}">
-                  <p16:designElem xmlns:p16="http://schemas.microsoft.com/office/powerpoint/2015/main" val="1"/>
-                </p:ext>
-              </p:extLst>
-            </p:nvPr>
-          </p:nvSpPr>
-          <p:spPr>
-            <a:xfrm>
-              <a:off x="9334500" y="-8467"/>
-              <a:ext cx="2854326" cy="6866467"/>
-            </a:xfrm>
-            <a:custGeom>
-              <a:avLst/>
-              <a:gdLst/>
-              <a:ahLst/>
-              <a:cxnLst/>
-              <a:rect l="l" t="t" r="r" b="b"/>
-              <a:pathLst>
-                <a:path w="2858013" h="6866467">
-                  <a:moveTo>
-                    <a:pt x="0" y="0"/>
-                  </a:moveTo>
-                  <a:lnTo>
-                    <a:pt x="2858013" y="0"/>
-                  </a:lnTo>
-                  <a:lnTo>
-                    <a:pt x="2858013" y="6866467"/>
-                  </a:lnTo>
-                  <a:lnTo>
-                    <a:pt x="2473942" y="6866467"/>
-                  </a:lnTo>
-                  <a:lnTo>
-                    <a:pt x="0" y="0"/>
-                  </a:lnTo>
-                  <a:close/>
-                </a:path>
-              </a:pathLst>
-            </a:custGeom>
-            <a:solidFill>
-              <a:schemeClr val="accent2">
-                <a:lumMod val="75000"/>
-                <a:alpha val="70000"/>
-              </a:schemeClr>
-            </a:solidFill>
-            <a:ln>
-              <a:noFill/>
-            </a:ln>
-            <a:effectLst/>
-          </p:spPr>
-          <p:style>
-            <a:lnRef idx="1">
-              <a:schemeClr val="accent1"/>
-            </a:lnRef>
-            <a:fillRef idx="3">
-              <a:schemeClr val="accent1"/>
-            </a:fillRef>
-            <a:effectRef idx="2">
-              <a:schemeClr val="accent1"/>
-            </a:effectRef>
-            <a:fontRef idx="minor">
-              <a:schemeClr val="lt1"/>
-            </a:fontRef>
-          </p:style>
-        </p:sp>
-        <p:sp>
-          <p:nvSpPr>
-            <p:cNvPr id="15" name="Rectangle 28">
-              <a:extLst>
-                <a:ext uri="{FF2B5EF4-FFF2-40B4-BE49-F238E27FC236}">
-                  <a16:creationId xmlns:a16="http://schemas.microsoft.com/office/drawing/2014/main" id="{B133D0C8-4EC4-424F-8E70-0482D5B1B653}"/>
-                </a:ext>
-                <a:ext uri="{C183D7F6-B498-43B3-948B-1728B52AA6E4}">
-                  <adec:decorative xmlns:adec="http://schemas.microsoft.com/office/drawing/2017/decorative" val="1"/>
-                </a:ext>
-              </a:extLst>
-            </p:cNvPr>
-            <p:cNvSpPr/>
-            <p:nvPr>
-              <p:extLst>
-                <p:ext uri="{386F3935-93C4-4BCD-93E2-E3B085C9AB24}">
-                  <p16:designElem xmlns:p16="http://schemas.microsoft.com/office/powerpoint/2015/main" val="1"/>
-                </p:ext>
-              </p:extLst>
-            </p:nvPr>
-          </p:nvSpPr>
-          <p:spPr>
-            <a:xfrm>
-              <a:off x="10898730" y="-8467"/>
-              <a:ext cx="1290094" cy="6866467"/>
-            </a:xfrm>
-            <a:custGeom>
-              <a:avLst/>
-              <a:gdLst/>
-              <a:ahLst/>
-              <a:cxnLst/>
-              <a:rect l="l" t="t" r="r" b="b"/>
-              <a:pathLst>
-                <a:path w="1290094" h="6858000">
-                  <a:moveTo>
-                    <a:pt x="1019735" y="0"/>
-                  </a:moveTo>
-                  <a:lnTo>
-                    <a:pt x="1290094" y="0"/>
-                  </a:lnTo>
-                  <a:lnTo>
-                    <a:pt x="1290094" y="6858000"/>
-                  </a:lnTo>
-                  <a:lnTo>
-                    <a:pt x="0" y="6858000"/>
-                  </a:lnTo>
-                  <a:lnTo>
-                    <a:pt x="1019735" y="0"/>
-                  </a:lnTo>
-                  <a:close/>
-                </a:path>
-              </a:pathLst>
-            </a:custGeom>
-            <a:solidFill>
-              <a:schemeClr val="accent1">
-                <a:lumMod val="60000"/>
-                <a:lumOff val="40000"/>
-                <a:alpha val="70000"/>
-              </a:schemeClr>
-            </a:solidFill>
-            <a:ln>
-              <a:noFill/>
-            </a:ln>
-            <a:effectLst/>
-          </p:spPr>
-          <p:style>
-            <a:lnRef idx="1">
-              <a:schemeClr val="accent1"/>
-            </a:lnRef>
-            <a:fillRef idx="3">
-              <a:schemeClr val="accent1"/>
-            </a:fillRef>
-            <a:effectRef idx="2">
-              <a:schemeClr val="accent1"/>
-            </a:effectRef>
-            <a:fontRef idx="minor">
-              <a:schemeClr val="lt1"/>
-            </a:fontRef>
-          </p:style>
-        </p:sp>
-        <p:sp>
-          <p:nvSpPr>
-            <p:cNvPr id="16" name="Rectangle 29">
-              <a:extLst>
-                <a:ext uri="{FF2B5EF4-FFF2-40B4-BE49-F238E27FC236}">
-                  <a16:creationId xmlns:a16="http://schemas.microsoft.com/office/drawing/2014/main" id="{7B1532A0-F4B3-4DE8-B18F-740CAAD25AC4}"/>
-                </a:ext>
-                <a:ext uri="{C183D7F6-B498-43B3-948B-1728B52AA6E4}">
-                  <adec:decorative xmlns:adec="http://schemas.microsoft.com/office/drawing/2017/decorative" val="1"/>
-                </a:ext>
-              </a:extLst>
-            </p:cNvPr>
-            <p:cNvSpPr/>
-            <p:nvPr>
-              <p:extLst>
-                <p:ext uri="{386F3935-93C4-4BCD-93E2-E3B085C9AB24}">
-                  <p16:designElem xmlns:p16="http://schemas.microsoft.com/office/powerpoint/2015/main" val="1"/>
-                </p:ext>
-              </p:extLst>
-            </p:nvPr>
-          </p:nvSpPr>
-          <p:spPr>
-            <a:xfrm>
-              <a:off x="10938999" y="-8467"/>
-              <a:ext cx="1249825" cy="6866467"/>
-            </a:xfrm>
-            <a:custGeom>
-              <a:avLst/>
-              <a:gdLst/>
-              <a:ahLst/>
-              <a:cxnLst/>
-              <a:rect l="l" t="t" r="r" b="b"/>
-              <a:pathLst>
-                <a:path w="1249825" h="6858000">
-                  <a:moveTo>
-                    <a:pt x="0" y="0"/>
-                  </a:moveTo>
-                  <a:lnTo>
-                    <a:pt x="1249825" y="0"/>
-                  </a:lnTo>
-                  <a:lnTo>
-                    <a:pt x="1249825" y="6858000"/>
-                  </a:lnTo>
-                  <a:lnTo>
-                    <a:pt x="1109382" y="6858000"/>
-                  </a:lnTo>
-                  <a:lnTo>
-                    <a:pt x="0" y="0"/>
-                  </a:lnTo>
-                  <a:close/>
-                </a:path>
-              </a:pathLst>
-            </a:custGeom>
-            <a:solidFill>
-              <a:schemeClr val="accent1">
-                <a:alpha val="65000"/>
-              </a:schemeClr>
-            </a:solidFill>
-            <a:ln>
-              <a:noFill/>
-            </a:ln>
-            <a:effectLst/>
-          </p:spPr>
-          <p:style>
-            <a:lnRef idx="1">
-              <a:schemeClr val="accent1"/>
-            </a:lnRef>
-            <a:fillRef idx="3">
-              <a:schemeClr val="accent1"/>
-            </a:fillRef>
-            <a:effectRef idx="2">
-              <a:schemeClr val="accent1"/>
-            </a:effectRef>
-            <a:fontRef idx="minor">
-              <a:schemeClr val="lt1"/>
-            </a:fontRef>
-          </p:style>
-        </p:sp>
-        <p:sp>
-          <p:nvSpPr>
-            <p:cNvPr id="17" name="Isosceles Triangle 16">
-              <a:extLst>
-                <a:ext uri="{FF2B5EF4-FFF2-40B4-BE49-F238E27FC236}">
-                  <a16:creationId xmlns:a16="http://schemas.microsoft.com/office/drawing/2014/main" id="{8EFDD162-BBBA-4062-8BBF-53DBA1091374}"/>
-                </a:ext>
-                <a:ext uri="{C183D7F6-B498-43B3-948B-1728B52AA6E4}">
-                  <adec:decorative xmlns:adec="http://schemas.microsoft.com/office/drawing/2017/decorative" val="1"/>
-                </a:ext>
-              </a:extLst>
-            </p:cNvPr>
-            <p:cNvSpPr/>
-            <p:nvPr>
-              <p:extLst>
-                <p:ext uri="{386F3935-93C4-4BCD-93E2-E3B085C9AB24}">
-                  <p16:designElem xmlns:p16="http://schemas.microsoft.com/office/powerpoint/2015/main" val="1"/>
-                </p:ext>
-              </p:extLst>
-            </p:nvPr>
-          </p:nvSpPr>
-          <p:spPr>
-            <a:xfrm>
-              <a:off x="10371666" y="3589867"/>
-              <a:ext cx="1817159" cy="3268133"/>
-            </a:xfrm>
-            <a:prstGeom prst="triangle">
-              <a:avLst>
-                <a:gd name="adj" fmla="val 100000"/>
-              </a:avLst>
-            </a:prstGeom>
-            <a:solidFill>
-              <a:schemeClr val="accent1">
-                <a:alpha val="80000"/>
-              </a:schemeClr>
-            </a:solidFill>
-            <a:ln>
-              <a:noFill/>
-            </a:ln>
-            <a:effectLst/>
-          </p:spPr>
-          <p:style>
-            <a:lnRef idx="1">
-              <a:schemeClr val="accent1"/>
-            </a:lnRef>
-            <a:fillRef idx="3">
-              <a:schemeClr val="accent1"/>
-            </a:fillRef>
-            <a:effectRef idx="2">
-              <a:schemeClr val="accent1"/>
-            </a:effectRef>
-            <a:fontRef idx="minor">
-              <a:schemeClr val="lt1"/>
-            </a:fontRef>
-          </p:style>
-        </p:sp>
-        <p:sp>
-          <p:nvSpPr>
-            <p:cNvPr id="18" name="Isosceles Triangle 17">
-              <a:extLst>
-                <a:ext uri="{FF2B5EF4-FFF2-40B4-BE49-F238E27FC236}">
-                  <a16:creationId xmlns:a16="http://schemas.microsoft.com/office/drawing/2014/main" id="{DCFC9E65-3E19-4483-B952-25D29683CA56}"/>
-                </a:ext>
-                <a:ext uri="{C183D7F6-B498-43B3-948B-1728B52AA6E4}">
-                  <adec:decorative xmlns:adec="http://schemas.microsoft.com/office/drawing/2017/decorative" val="1"/>
-                </a:ext>
-              </a:extLst>
-            </p:cNvPr>
-            <p:cNvSpPr/>
-            <p:nvPr>
-              <p:extLst>
-                <p:ext uri="{386F3935-93C4-4BCD-93E2-E3B085C9AB24}">
-                  <p16:designElem xmlns:p16="http://schemas.microsoft.com/office/powerpoint/2015/main" val="1"/>
-                </p:ext>
-              </p:extLst>
-            </p:nvPr>
-          </p:nvSpPr>
-          <p:spPr>
-            <a:xfrm rot="10800000">
-              <a:off x="0" y="0"/>
-              <a:ext cx="842596" cy="5666154"/>
-            </a:xfrm>
-            <a:prstGeom prst="triangle">
-              <a:avLst>
-                <a:gd name="adj" fmla="val 100000"/>
-              </a:avLst>
-            </a:prstGeom>
-            <a:solidFill>
-              <a:schemeClr val="accent1">
-                <a:alpha val="85000"/>
-              </a:schemeClr>
-            </a:solidFill>
-            <a:ln>
-              <a:noFill/>
-            </a:ln>
-            <a:effectLst/>
-          </p:spPr>
-          <p:style>
-            <a:lnRef idx="1">
-              <a:schemeClr val="accent1"/>
-            </a:lnRef>
-            <a:fillRef idx="3">
-              <a:schemeClr val="accent1"/>
-            </a:fillRef>
-            <a:effectRef idx="2">
-              <a:schemeClr val="accent1"/>
-            </a:effectRef>
-            <a:fontRef idx="minor">
-              <a:schemeClr val="lt1"/>
-            </a:fontRef>
-          </p:style>
-        </p:sp>
-      </p:grpSp>
-      <p:sp useBgFill="1">
-        <p:nvSpPr>
-          <p:cNvPr id="20" name="Rectangle 19">
-            <a:extLst>
-              <a:ext uri="{FF2B5EF4-FFF2-40B4-BE49-F238E27FC236}">
-                <a16:creationId xmlns:a16="http://schemas.microsoft.com/office/drawing/2014/main" id="{9179DE42-5613-4B35-A1E6-6CCBAA13C743}"/>
-              </a:ext>
-              <a:ext uri="{C183D7F6-B498-43B3-948B-1728B52AA6E4}">
-                <adec:decorative xmlns:adec="http://schemas.microsoft.com/office/drawing/2017/decorative" val="1"/>
-              </a:ext>
-            </a:extLst>
-          </p:cNvPr>
-          <p:cNvSpPr>
-            <a:spLocks noGrp="1" noRot="1" noChangeAspect="1" noMove="1" noResize="1" noEditPoints="1" noAdjustHandles="1" noChangeArrowheads="1" noChangeShapeType="1" noTextEdit="1"/>
-          </p:cNvSpPr>
-          <p:nvPr>
-            <p:extLst>
-              <p:ext uri="{386F3935-93C4-4BCD-93E2-E3B085C9AB24}">
-                <p16:designElem xmlns:p16="http://schemas.microsoft.com/office/powerpoint/2015/main" val="1"/>
-              </p:ext>
-            </p:extLst>
-          </p:nvPr>
-        </p:nvSpPr>
-        <p:spPr>
-          <a:xfrm>
-            <a:off x="0" y="0"/>
-            <a:ext cx="12192000" cy="6858000"/>
-          </a:xfrm>
-          <a:prstGeom prst="rect">
-            <a:avLst/>
-          </a:prstGeom>
-          <a:ln>
-            <a:noFill/>
-          </a:ln>
-        </p:spPr>
-        <p:style>
-          <a:lnRef idx="2">
-            <a:schemeClr val="accent1">
-              <a:shade val="50000"/>
-            </a:schemeClr>
-          </a:lnRef>
-          <a:fillRef idx="1">
-            <a:schemeClr val="accent1"/>
-          </a:fillRef>
-          <a:effectRef idx="0">
-            <a:schemeClr val="accent1"/>
-          </a:effectRef>
-          <a:fontRef idx="minor">
-            <a:schemeClr val="lt1"/>
-          </a:fontRef>
-        </p:style>
-        <p:txBody>
-          <a:bodyPr rtlCol="0" anchor="ctr"/>
-          <a:lstStyle/>
-          <a:p>
-            <a:pPr algn="ctr"/>
-            <a:endParaRPr lang="en-US"/>
-          </a:p>
-        </p:txBody>
-      </p:sp>
-      <p:cxnSp>
-        <p:nvCxnSpPr>
-          <p:cNvPr id="22" name="Straight Connector 21">
-            <a:extLst>
-              <a:ext uri="{FF2B5EF4-FFF2-40B4-BE49-F238E27FC236}">
-                <a16:creationId xmlns:a16="http://schemas.microsoft.com/office/drawing/2014/main" id="{EB898B32-3891-4C3A-8F58-C5969D2E9033}"/>
-              </a:ext>
-              <a:ext uri="{C183D7F6-B498-43B3-948B-1728B52AA6E4}">
-                <adec:decorative xmlns:adec="http://schemas.microsoft.com/office/drawing/2017/decorative" val="1"/>
-              </a:ext>
-            </a:extLst>
-          </p:cNvPr>
-          <p:cNvCxnSpPr>
-            <a:cxnSpLocks noGrp="1" noRot="1" noChangeAspect="1" noMove="1" noResize="1" noEditPoints="1" noAdjustHandles="1" noChangeArrowheads="1" noChangeShapeType="1"/>
-          </p:cNvCxnSpPr>
-          <p:nvPr>
-            <p:extLst>
-              <p:ext uri="{386F3935-93C4-4BCD-93E2-E3B085C9AB24}">
-                <p16:designElem xmlns:p16="http://schemas.microsoft.com/office/powerpoint/2015/main" val="1"/>
-              </p:ext>
-            </p:extLst>
-          </p:nvPr>
-        </p:nvCxnSpPr>
-        <p:spPr>
-          <a:xfrm>
-            <a:off x="1448300" y="0"/>
-            <a:ext cx="1219200" cy="6858000"/>
-          </a:xfrm>
-          <a:prstGeom prst="line">
-            <a:avLst/>
-          </a:prstGeom>
-          <a:ln w="9525">
-            <a:solidFill>
-              <a:schemeClr val="accent1">
-                <a:lumMod val="75000"/>
-              </a:schemeClr>
-            </a:solidFill>
-          </a:ln>
-        </p:spPr>
-        <p:style>
-          <a:lnRef idx="2">
-            <a:schemeClr val="accent1"/>
-          </a:lnRef>
-          <a:fillRef idx="0">
-            <a:schemeClr val="accent1"/>
-          </a:fillRef>
-          <a:effectRef idx="1">
-            <a:schemeClr val="accent1"/>
-          </a:effectRef>
-          <a:fontRef idx="minor">
-            <a:schemeClr val="tx1"/>
-          </a:fontRef>
-        </p:style>
-      </p:cxnSp>
-      <p:cxnSp>
-        <p:nvCxnSpPr>
-          <p:cNvPr id="24" name="Straight Connector 23">
-            <a:extLst>
-              <a:ext uri="{FF2B5EF4-FFF2-40B4-BE49-F238E27FC236}">
-                <a16:creationId xmlns:a16="http://schemas.microsoft.com/office/drawing/2014/main" id="{4AE4806D-B8F9-4679-A68A-9BD21C01A301}"/>
-              </a:ext>
-              <a:ext uri="{C183D7F6-B498-43B3-948B-1728B52AA6E4}">
-                <adec:decorative xmlns:adec="http://schemas.microsoft.com/office/drawing/2017/decorative" val="1"/>
-              </a:ext>
-            </a:extLst>
-          </p:cNvPr>
-          <p:cNvCxnSpPr>
-            <a:cxnSpLocks noGrp="1" noRot="1" noChangeAspect="1" noMove="1" noResize="1" noEditPoints="1" noAdjustHandles="1" noChangeArrowheads="1" noChangeShapeType="1"/>
-          </p:cNvCxnSpPr>
-          <p:nvPr>
-            <p:extLst>
-              <p:ext uri="{386F3935-93C4-4BCD-93E2-E3B085C9AB24}">
-                <p16:designElem xmlns:p16="http://schemas.microsoft.com/office/powerpoint/2015/main" val="1"/>
-              </p:ext>
-            </p:extLst>
-          </p:nvPr>
-        </p:nvCxnSpPr>
-        <p:spPr>
-          <a:xfrm flipH="1">
-            <a:off x="67175" y="3681413"/>
-            <a:ext cx="4763558" cy="3176587"/>
-          </a:xfrm>
-          <a:prstGeom prst="line">
-            <a:avLst/>
-          </a:prstGeom>
-          <a:ln w="9525">
-            <a:solidFill>
-              <a:schemeClr val="tx1">
-                <a:lumMod val="50000"/>
-                <a:lumOff val="50000"/>
-                <a:alpha val="80000"/>
-              </a:schemeClr>
-            </a:solidFill>
-          </a:ln>
-        </p:spPr>
-        <p:style>
-          <a:lnRef idx="2">
-            <a:schemeClr val="accent1"/>
-          </a:lnRef>
-          <a:fillRef idx="0">
-            <a:schemeClr val="accent1"/>
-          </a:fillRef>
-          <a:effectRef idx="1">
-            <a:schemeClr val="accent1"/>
-          </a:effectRef>
-          <a:fontRef idx="minor">
-            <a:schemeClr val="tx1"/>
-          </a:fontRef>
-        </p:style>
-      </p:cxnSp>
-      <p:sp>
-        <p:nvSpPr>
-          <p:cNvPr id="26" name="Rectangle 23">
-            <a:extLst>
-              <a:ext uri="{FF2B5EF4-FFF2-40B4-BE49-F238E27FC236}">
-                <a16:creationId xmlns:a16="http://schemas.microsoft.com/office/drawing/2014/main" id="{52FB45E9-914E-4471-AC87-E475CD51767D}"/>
-              </a:ext>
-              <a:ext uri="{C183D7F6-B498-43B3-948B-1728B52AA6E4}">
-                <adec:decorative xmlns:adec="http://schemas.microsoft.com/office/drawing/2017/decorative" val="1"/>
-              </a:ext>
-            </a:extLst>
-          </p:cNvPr>
-          <p:cNvSpPr>
-            <a:spLocks noGrp="1" noRot="1" noChangeAspect="1" noMove="1" noResize="1" noEditPoints="1" noAdjustHandles="1" noChangeArrowheads="1" noChangeShapeType="1" noTextEdit="1"/>
-          </p:cNvSpPr>
-          <p:nvPr>
-            <p:extLst>
-              <p:ext uri="{386F3935-93C4-4BCD-93E2-E3B085C9AB24}">
-                <p16:designElem xmlns:p16="http://schemas.microsoft.com/office/powerpoint/2015/main" val="1"/>
-              </p:ext>
-            </p:extLst>
-          </p:nvPr>
-        </p:nvSpPr>
-        <p:spPr>
-          <a:xfrm>
-            <a:off x="1258764" y="-8467"/>
-            <a:ext cx="3007349" cy="6866467"/>
-          </a:xfrm>
-          <a:custGeom>
-            <a:avLst/>
-            <a:gdLst/>
-            <a:ahLst/>
-            <a:cxnLst/>
-            <a:rect l="l" t="t" r="r" b="b"/>
-            <a:pathLst>
-              <a:path w="3007349" h="6866467">
-                <a:moveTo>
-                  <a:pt x="2045532" y="0"/>
-                </a:moveTo>
-                <a:lnTo>
-                  <a:pt x="3007349" y="0"/>
-                </a:lnTo>
-                <a:lnTo>
-                  <a:pt x="3007349" y="6866467"/>
-                </a:lnTo>
-                <a:lnTo>
-                  <a:pt x="0" y="6866467"/>
-                </a:lnTo>
-                <a:lnTo>
-                  <a:pt x="2045532" y="0"/>
-                </a:lnTo>
-                <a:close/>
-              </a:path>
-            </a:pathLst>
-          </a:custGeom>
-          <a:solidFill>
-            <a:schemeClr val="accent1">
-              <a:alpha val="30000"/>
-            </a:schemeClr>
-          </a:solidFill>
-          <a:ln>
-            <a:noFill/>
-          </a:ln>
-          <a:effectLst/>
-        </p:spPr>
-        <p:style>
-          <a:lnRef idx="1">
-            <a:schemeClr val="accent1"/>
-          </a:lnRef>
-          <a:fillRef idx="3">
-            <a:schemeClr val="accent1"/>
-          </a:fillRef>
-          <a:effectRef idx="2">
-            <a:schemeClr val="accent1"/>
-          </a:effectRef>
-          <a:fontRef idx="minor">
-            <a:schemeClr val="lt1"/>
-          </a:fontRef>
-        </p:style>
-      </p:sp>
-      <p:sp>
-        <p:nvSpPr>
-          <p:cNvPr id="28" name="Rectangle 25">
-            <a:extLst>
-              <a:ext uri="{FF2B5EF4-FFF2-40B4-BE49-F238E27FC236}">
-                <a16:creationId xmlns:a16="http://schemas.microsoft.com/office/drawing/2014/main" id="{C310626D-5743-49D4-8F7D-88C4F8F05774}"/>
-              </a:ext>
-              <a:ext uri="{C183D7F6-B498-43B3-948B-1728B52AA6E4}">
-                <adec:decorative xmlns:adec="http://schemas.microsoft.com/office/drawing/2017/decorative" val="1"/>
-              </a:ext>
-            </a:extLst>
-          </p:cNvPr>
-          <p:cNvSpPr>
-            <a:spLocks noGrp="1" noRot="1" noChangeAspect="1" noMove="1" noResize="1" noEditPoints="1" noAdjustHandles="1" noChangeArrowheads="1" noChangeShapeType="1" noTextEdit="1"/>
-          </p:cNvSpPr>
-          <p:nvPr>
-            <p:extLst>
-              <p:ext uri="{386F3935-93C4-4BCD-93E2-E3B085C9AB24}">
-                <p16:designElem xmlns:p16="http://schemas.microsoft.com/office/powerpoint/2015/main" val="1"/>
-              </p:ext>
-            </p:extLst>
-          </p:nvPr>
-        </p:nvSpPr>
-        <p:spPr>
-          <a:xfrm>
-            <a:off x="1680730" y="-8467"/>
-            <a:ext cx="2588558" cy="6866467"/>
-          </a:xfrm>
-          <a:custGeom>
-            <a:avLst/>
-            <a:gdLst/>
-            <a:ahLst/>
-            <a:cxnLst/>
-            <a:rect l="l" t="t" r="r" b="b"/>
-            <a:pathLst>
-              <a:path w="2573311" h="6866467">
-                <a:moveTo>
-                  <a:pt x="0" y="0"/>
-                </a:moveTo>
-                <a:lnTo>
-                  <a:pt x="2573311" y="0"/>
-                </a:lnTo>
-                <a:lnTo>
-                  <a:pt x="2573311" y="6866467"/>
-                </a:lnTo>
-                <a:lnTo>
-                  <a:pt x="1202336" y="6866467"/>
-                </a:lnTo>
-                <a:lnTo>
-                  <a:pt x="0" y="0"/>
-                </a:lnTo>
-                <a:close/>
-              </a:path>
-            </a:pathLst>
-          </a:custGeom>
-          <a:solidFill>
-            <a:schemeClr val="accent1">
-              <a:alpha val="20000"/>
-            </a:schemeClr>
-          </a:solidFill>
-          <a:ln>
-            <a:noFill/>
-          </a:ln>
-          <a:effectLst/>
-        </p:spPr>
-        <p:style>
-          <a:lnRef idx="1">
-            <a:schemeClr val="accent1"/>
-          </a:lnRef>
-          <a:fillRef idx="3">
-            <a:schemeClr val="accent1"/>
-          </a:fillRef>
-          <a:effectRef idx="2">
-            <a:schemeClr val="accent1"/>
-          </a:effectRef>
-          <a:fontRef idx="minor">
-            <a:schemeClr val="lt1"/>
-          </a:fontRef>
-        </p:style>
-      </p:sp>
-      <p:sp>
-        <p:nvSpPr>
-          <p:cNvPr id="30" name="Isosceles Triangle 29">
-            <a:extLst>
-              <a:ext uri="{FF2B5EF4-FFF2-40B4-BE49-F238E27FC236}">
-                <a16:creationId xmlns:a16="http://schemas.microsoft.com/office/drawing/2014/main" id="{3C195FC1-B568-4C72-9902-34CB35DDD7A1}"/>
-              </a:ext>
-              <a:ext uri="{C183D7F6-B498-43B3-948B-1728B52AA6E4}">
-                <adec:decorative xmlns:adec="http://schemas.microsoft.com/office/drawing/2017/decorative" val="1"/>
-              </a:ext>
-            </a:extLst>
-          </p:cNvPr>
-          <p:cNvSpPr>
-            <a:spLocks noGrp="1" noRot="1" noChangeAspect="1" noMove="1" noResize="1" noEditPoints="1" noAdjustHandles="1" noChangeArrowheads="1" noChangeShapeType="1" noTextEdit="1"/>
-          </p:cNvSpPr>
-          <p:nvPr>
-            <p:extLst>
-              <p:ext uri="{386F3935-93C4-4BCD-93E2-E3B085C9AB24}">
-                <p16:designElem xmlns:p16="http://schemas.microsoft.com/office/powerpoint/2015/main" val="1"/>
-              </p:ext>
-            </p:extLst>
-          </p:nvPr>
-        </p:nvSpPr>
-        <p:spPr>
-          <a:xfrm>
-            <a:off x="1009621" y="3048000"/>
-            <a:ext cx="3259667" cy="3810000"/>
-          </a:xfrm>
-          <a:prstGeom prst="triangle">
-            <a:avLst>
-              <a:gd name="adj" fmla="val 100000"/>
-            </a:avLst>
-          </a:prstGeom>
-          <a:solidFill>
-            <a:schemeClr val="accent2">
-              <a:alpha val="72000"/>
-            </a:schemeClr>
-          </a:solidFill>
-          <a:ln>
-            <a:noFill/>
-          </a:ln>
-          <a:effectLst/>
-        </p:spPr>
-        <p:style>
-          <a:lnRef idx="1">
-            <a:schemeClr val="accent1"/>
-          </a:lnRef>
-          <a:fillRef idx="3">
-            <a:schemeClr val="accent1"/>
-          </a:fillRef>
-          <a:effectRef idx="2">
-            <a:schemeClr val="accent1"/>
-          </a:effectRef>
-          <a:fontRef idx="minor">
-            <a:schemeClr val="lt1"/>
-          </a:fontRef>
-        </p:style>
-      </p:sp>
-      <p:sp>
-        <p:nvSpPr>
-          <p:cNvPr id="32" name="Rectangle 27">
-            <a:extLst>
-              <a:ext uri="{FF2B5EF4-FFF2-40B4-BE49-F238E27FC236}">
-                <a16:creationId xmlns:a16="http://schemas.microsoft.com/office/drawing/2014/main" id="{EF2BDF77-362C-43F0-8CBB-A969EC2AE0C4}"/>
-              </a:ext>
-              <a:ext uri="{C183D7F6-B498-43B3-948B-1728B52AA6E4}">
-                <adec:decorative xmlns:adec="http://schemas.microsoft.com/office/drawing/2017/decorative" val="1"/>
-              </a:ext>
-            </a:extLst>
-          </p:cNvPr>
-          <p:cNvSpPr>
-            <a:spLocks noGrp="1" noRot="1" noChangeAspect="1" noMove="1" noResize="1" noEditPoints="1" noAdjustHandles="1" noChangeArrowheads="1" noChangeShapeType="1" noTextEdit="1"/>
-          </p:cNvSpPr>
-          <p:nvPr>
-            <p:extLst>
-              <p:ext uri="{386F3935-93C4-4BCD-93E2-E3B085C9AB24}">
-                <p16:designElem xmlns:p16="http://schemas.microsoft.com/office/powerpoint/2015/main" val="1"/>
-              </p:ext>
-            </p:extLst>
-          </p:nvPr>
-        </p:nvSpPr>
-        <p:spPr>
-          <a:xfrm>
-            <a:off x="1411788" y="-8467"/>
-            <a:ext cx="2854326" cy="6866467"/>
-          </a:xfrm>
-          <a:custGeom>
-            <a:avLst/>
-            <a:gdLst/>
-            <a:ahLst/>
-            <a:cxnLst/>
-            <a:rect l="l" t="t" r="r" b="b"/>
-            <a:pathLst>
-              <a:path w="2858013" h="6866467">
-                <a:moveTo>
-                  <a:pt x="0" y="0"/>
-                </a:moveTo>
-                <a:lnTo>
-                  <a:pt x="2858013" y="0"/>
-                </a:lnTo>
-                <a:lnTo>
-                  <a:pt x="2858013" y="6866467"/>
-                </a:lnTo>
-                <a:lnTo>
-                  <a:pt x="2473942" y="6866467"/>
-                </a:lnTo>
-                <a:lnTo>
-                  <a:pt x="0" y="0"/>
-                </a:lnTo>
-                <a:close/>
-              </a:path>
-            </a:pathLst>
-          </a:custGeom>
-          <a:solidFill>
-            <a:schemeClr val="accent2">
-              <a:lumMod val="75000"/>
-              <a:alpha val="70000"/>
-            </a:schemeClr>
-          </a:solidFill>
-          <a:ln>
-            <a:noFill/>
-          </a:ln>
-          <a:effectLst/>
-        </p:spPr>
-        <p:style>
-          <a:lnRef idx="1">
-            <a:schemeClr val="accent1"/>
-          </a:lnRef>
-          <a:fillRef idx="3">
-            <a:schemeClr val="accent1"/>
-          </a:fillRef>
-          <a:effectRef idx="2">
-            <a:schemeClr val="accent1"/>
-          </a:effectRef>
-          <a:fontRef idx="minor">
-            <a:schemeClr val="lt1"/>
-          </a:fontRef>
-        </p:style>
-      </p:sp>
-      <p:sp>
-        <p:nvSpPr>
-          <p:cNvPr id="34" name="Isosceles Triangle 33">
-            <a:extLst>
-              <a:ext uri="{FF2B5EF4-FFF2-40B4-BE49-F238E27FC236}">
-                <a16:creationId xmlns:a16="http://schemas.microsoft.com/office/drawing/2014/main" id="{4BE96B01-3929-432D-B8C2-ADBCB74C2EF4}"/>
-              </a:ext>
-              <a:ext uri="{C183D7F6-B498-43B3-948B-1728B52AA6E4}">
-                <adec:decorative xmlns:adec="http://schemas.microsoft.com/office/drawing/2017/decorative" val="1"/>
-              </a:ext>
-            </a:extLst>
-          </p:cNvPr>
-          <p:cNvSpPr>
-            <a:spLocks noGrp="1" noRot="1" noChangeAspect="1" noMove="1" noResize="1" noEditPoints="1" noAdjustHandles="1" noChangeArrowheads="1" noChangeShapeType="1" noTextEdit="1"/>
-          </p:cNvSpPr>
-          <p:nvPr>
-            <p:extLst>
-              <p:ext uri="{386F3935-93C4-4BCD-93E2-E3B085C9AB24}">
-                <p16:designElem xmlns:p16="http://schemas.microsoft.com/office/powerpoint/2015/main" val="1"/>
-              </p:ext>
-            </p:extLst>
-          </p:nvPr>
-        </p:nvSpPr>
-        <p:spPr>
-          <a:xfrm>
-            <a:off x="2448954" y="3589867"/>
-            <a:ext cx="1817159" cy="3268133"/>
-          </a:xfrm>
-          <a:prstGeom prst="triangle">
-            <a:avLst>
-              <a:gd name="adj" fmla="val 100000"/>
-            </a:avLst>
-          </a:prstGeom>
-          <a:solidFill>
-            <a:schemeClr val="accent1">
-              <a:alpha val="80000"/>
-            </a:schemeClr>
-          </a:solidFill>
-          <a:ln>
-            <a:noFill/>
-          </a:ln>
-          <a:effectLst/>
-        </p:spPr>
-        <p:style>
-          <a:lnRef idx="1">
-            <a:schemeClr val="accent1"/>
-          </a:lnRef>
-          <a:fillRef idx="3">
-            <a:schemeClr val="accent1"/>
-          </a:fillRef>
-          <a:effectRef idx="2">
-            <a:schemeClr val="accent1"/>
-          </a:effectRef>
-          <a:fontRef idx="minor">
-            <a:schemeClr val="lt1"/>
-          </a:fontRef>
-        </p:style>
-      </p:sp>
-      <p:sp>
-        <p:nvSpPr>
-          <p:cNvPr id="36" name="Freeform: Shape 35">
-            <a:extLst>
-              <a:ext uri="{FF2B5EF4-FFF2-40B4-BE49-F238E27FC236}">
-                <a16:creationId xmlns:a16="http://schemas.microsoft.com/office/drawing/2014/main" id="{2A6FCDE6-CDE2-4C51-B18E-A95CFB679714}"/>
-              </a:ext>
-              <a:ext uri="{C183D7F6-B498-43B3-948B-1728B52AA6E4}">
-                <adec:decorative xmlns:adec="http://schemas.microsoft.com/office/drawing/2017/decorative" val="1"/>
-              </a:ext>
-            </a:extLst>
-          </p:cNvPr>
-          <p:cNvSpPr>
-            <a:spLocks noGrp="1" noRot="1" noChangeAspect="1" noMove="1" noResize="1" noEditPoints="1" noAdjustHandles="1" noChangeArrowheads="1" noChangeShapeType="1" noTextEdit="1"/>
-          </p:cNvSpPr>
-          <p:nvPr>
-            <p:extLst>
-              <p:ext uri="{386F3935-93C4-4BCD-93E2-E3B085C9AB24}">
-                <p16:designElem xmlns:p16="http://schemas.microsoft.com/office/powerpoint/2015/main" val="1"/>
-              </p:ext>
-            </p:extLst>
-          </p:nvPr>
-        </p:nvSpPr>
-        <p:spPr>
-          <a:xfrm>
-            <a:off x="3016287" y="-8467"/>
-            <a:ext cx="9175713" cy="6866467"/>
-          </a:xfrm>
-          <a:custGeom>
-            <a:avLst/>
-            <a:gdLst>
-              <a:gd name="connsiteX0" fmla="*/ 0 w 9175713"/>
-              <a:gd name="connsiteY0" fmla="*/ 0 h 6866467"/>
-              <a:gd name="connsiteX1" fmla="*/ 1249825 w 9175713"/>
-              <a:gd name="connsiteY1" fmla="*/ 0 h 6866467"/>
-              <a:gd name="connsiteX2" fmla="*/ 1249825 w 9175713"/>
-              <a:gd name="connsiteY2" fmla="*/ 8467 h 6866467"/>
-              <a:gd name="connsiteX3" fmla="*/ 9175713 w 9175713"/>
-              <a:gd name="connsiteY3" fmla="*/ 8467 h 6866467"/>
-              <a:gd name="connsiteX4" fmla="*/ 9175713 w 9175713"/>
-              <a:gd name="connsiteY4" fmla="*/ 6866467 h 6866467"/>
-              <a:gd name="connsiteX5" fmla="*/ 1249825 w 9175713"/>
-              <a:gd name="connsiteY5" fmla="*/ 6866467 h 6866467"/>
-              <a:gd name="connsiteX6" fmla="*/ 1109382 w 9175713"/>
-              <a:gd name="connsiteY6" fmla="*/ 6866467 h 6866467"/>
-            </a:gdLst>
-            <a:ahLst/>
-            <a:cxnLst>
-              <a:cxn ang="0">
-                <a:pos x="connsiteX0" y="connsiteY0"/>
-              </a:cxn>
-              <a:cxn ang="0">
-                <a:pos x="connsiteX1" y="connsiteY1"/>
-              </a:cxn>
-              <a:cxn ang="0">
-                <a:pos x="connsiteX2" y="connsiteY2"/>
-              </a:cxn>
-              <a:cxn ang="0">
-                <a:pos x="connsiteX3" y="connsiteY3"/>
-              </a:cxn>
-              <a:cxn ang="0">
-                <a:pos x="connsiteX4" y="connsiteY4"/>
-              </a:cxn>
-              <a:cxn ang="0">
-                <a:pos x="connsiteX5" y="connsiteY5"/>
-              </a:cxn>
-              <a:cxn ang="0">
-                <a:pos x="connsiteX6" y="connsiteY6"/>
-              </a:cxn>
-            </a:cxnLst>
-            <a:rect l="l" t="t" r="r" b="b"/>
-            <a:pathLst>
-              <a:path w="9175713" h="6866467">
-                <a:moveTo>
-                  <a:pt x="0" y="0"/>
-                </a:moveTo>
-                <a:lnTo>
-                  <a:pt x="1249825" y="0"/>
-                </a:lnTo>
-                <a:lnTo>
-                  <a:pt x="1249825" y="8467"/>
-                </a:lnTo>
-                <a:lnTo>
-                  <a:pt x="9175713" y="8467"/>
-                </a:lnTo>
-                <a:lnTo>
-                  <a:pt x="9175713" y="6866467"/>
-                </a:lnTo>
-                <a:lnTo>
-                  <a:pt x="1249825" y="6866467"/>
-                </a:lnTo>
-                <a:lnTo>
-                  <a:pt x="1109382" y="6866467"/>
-                </a:lnTo>
-                <a:close/>
-              </a:path>
-            </a:pathLst>
-          </a:custGeom>
-          <a:solidFill>
-            <a:schemeClr val="accent1"/>
-          </a:solidFill>
-          <a:ln>
-            <a:noFill/>
-          </a:ln>
-        </p:spPr>
-        <p:style>
-          <a:lnRef idx="2">
-            <a:schemeClr val="accent1">
-              <a:shade val="50000"/>
-            </a:schemeClr>
-          </a:lnRef>
-          <a:fillRef idx="1">
-            <a:schemeClr val="accent1"/>
-          </a:fillRef>
-          <a:effectRef idx="0">
-            <a:schemeClr val="accent1"/>
-          </a:effectRef>
-          <a:fontRef idx="minor">
-            <a:schemeClr val="lt1"/>
-          </a:fontRef>
-        </p:style>
-        <p:txBody>
-          <a:bodyPr rtlCol="0" anchor="ctr"/>
-          <a:lstStyle/>
-          <a:p>
-            <a:pPr algn="ctr"/>
-            <a:endParaRPr lang="en-US"/>
-          </a:p>
-        </p:txBody>
-      </p:sp>
       <p:sp>
         <p:nvSpPr>
           <p:cNvPr id="2" name="Заголовок 1">
@@ -9590,24 +6152,16 @@
             <p:ph type="title"/>
           </p:nvPr>
         </p:nvSpPr>
-        <p:spPr>
-          <a:xfrm>
-            <a:off x="4419136" y="1020871"/>
-            <a:ext cx="6960759" cy="2849671"/>
-          </a:xfrm>
-        </p:spPr>
-        <p:txBody>
-          <a:bodyPr vert="horz" lIns="91440" tIns="45720" rIns="91440" bIns="45720" rtlCol="0" anchor="b">
+        <p:spPr/>
+        <p:txBody>
+          <a:bodyPr vert="horz" lIns="91440" tIns="45720" rIns="91440" bIns="45720" rtlCol="0" anchor="ctr">
             <a:normAutofit/>
           </a:bodyPr>
           <a:lstStyle/>
           <a:p>
-            <a:r>
-              <a:rPr lang="en-US" sz="6000">
-                <a:solidFill>
-                  <a:srgbClr val="FFFFFF"/>
-                </a:solidFill>
-              </a:rPr>
+            <a:pPr algn="r"/>
+            <a:r>
+              <a:rPr lang="en-US" sz="5400" dirty="0"/>
               <a:t>3</a:t>
             </a:r>
           </a:p>
@@ -9615,64 +6169,26 @@
       </p:sp>
       <p:sp>
         <p:nvSpPr>
-          <p:cNvPr id="38" name="Isosceles Triangle 37">
+          <p:cNvPr id="3" name="Текст 2">
             <a:extLst>
               <a:ext uri="{FF2B5EF4-FFF2-40B4-BE49-F238E27FC236}">
-                <a16:creationId xmlns:a16="http://schemas.microsoft.com/office/drawing/2014/main" id="{9D2E8756-2465-473A-BA2A-2DB1D6224745}"/>
-              </a:ext>
-              <a:ext uri="{C183D7F6-B498-43B3-948B-1728B52AA6E4}">
-                <adec:decorative xmlns:adec="http://schemas.microsoft.com/office/drawing/2017/decorative" val="1"/>
+                <a16:creationId xmlns:a16="http://schemas.microsoft.com/office/drawing/2014/main" id="{271D384A-E9E4-4604-92E2-E78DEAAC598B}"/>
               </a:ext>
             </a:extLst>
           </p:cNvPr>
           <p:cNvSpPr>
-            <a:spLocks noGrp="1" noRot="1" noChangeAspect="1" noMove="1" noResize="1" noEditPoints="1" noAdjustHandles="1" noChangeArrowheads="1" noChangeShapeType="1" noTextEdit="1"/>
-          </p:cNvSpPr>
-          <p:nvPr>
-            <p:extLst>
-              <p:ext uri="{386F3935-93C4-4BCD-93E2-E3B085C9AB24}">
-                <p16:designElem xmlns:p16="http://schemas.microsoft.com/office/powerpoint/2015/main" val="1"/>
-              </p:ext>
-            </p:extLst>
-          </p:nvPr>
-        </p:nvSpPr>
-        <p:spPr>
-          <a:xfrm rot="5400000">
-            <a:off x="4062562" y="3271487"/>
-            <a:ext cx="220660" cy="186439"/>
-          </a:xfrm>
-          <a:prstGeom prst="triangle">
-            <a:avLst/>
-          </a:prstGeom>
-          <a:solidFill>
-            <a:srgbClr val="FFFFFF"/>
-          </a:solidFill>
-          <a:ln>
-            <a:noFill/>
-          </a:ln>
-        </p:spPr>
-        <p:style>
-          <a:lnRef idx="2">
-            <a:schemeClr val="accent1">
-              <a:shade val="50000"/>
-            </a:schemeClr>
-          </a:lnRef>
-          <a:fillRef idx="1">
-            <a:schemeClr val="accent1"/>
-          </a:fillRef>
-          <a:effectRef idx="0">
-            <a:schemeClr val="accent1"/>
-          </a:effectRef>
-          <a:fontRef idx="minor">
-            <a:schemeClr val="lt1"/>
-          </a:fontRef>
-        </p:style>
-        <p:txBody>
-          <a:bodyPr rtlCol="0" anchor="ctr"/>
-          <a:lstStyle/>
-          <a:p>
-            <a:pPr algn="ctr"/>
-            <a:endParaRPr lang="en-US"/>
+            <a:spLocks noGrp="1"/>
+          </p:cNvSpPr>
+          <p:nvPr>
+            <p:ph type="body" idx="1"/>
+          </p:nvPr>
+        </p:nvSpPr>
+        <p:spPr/>
+        <p:txBody>
+          <a:bodyPr/>
+          <a:lstStyle/>
+          <a:p>
+            <a:endParaRPr lang="ru-RU"/>
           </a:p>
         </p:txBody>
       </p:sp>
@@ -9684,8 +6200,278 @@
     </p:extLst>
   </p:cSld>
   <p:clrMapOvr>
-    <a:overrideClrMapping bg1="dk1" tx1="lt1" bg2="dk2" tx2="lt2" accent1="accent1" accent2="accent2" accent3="accent3" accent4="accent4" accent5="accent5" accent6="accent6" hlink="hlink" folHlink="folHlink"/>
+    <a:masterClrMapping/>
   </p:clrMapOvr>
+  <p:timing>
+    <p:tnLst>
+      <p:par>
+        <p:cTn id="1" dur="indefinite" restart="never" nodeType="tmRoot">
+          <p:childTnLst>
+            <p:seq concurrent="1" nextAc="seek">
+              <p:cTn id="2" dur="indefinite" nodeType="mainSeq">
+                <p:childTnLst>
+                  <p:par>
+                    <p:cTn id="3" fill="hold">
+                      <p:stCondLst>
+                        <p:cond delay="indefinite"/>
+                        <p:cond evt="onBegin" delay="0">
+                          <p:tn val="2"/>
+                        </p:cond>
+                      </p:stCondLst>
+                      <p:childTnLst>
+                        <p:par>
+                          <p:cTn id="4" fill="hold">
+                            <p:stCondLst>
+                              <p:cond delay="0"/>
+                            </p:stCondLst>
+                            <p:childTnLst>
+                              <p:par>
+                                <p:cTn id="5" presetID="10" presetClass="entr" presetSubtype="0" fill="hold" grpId="0" nodeType="withEffect">
+                                  <p:stCondLst>
+                                    <p:cond delay="500"/>
+                                  </p:stCondLst>
+                                  <p:iterate>
+                                    <p:tmPct val="10000"/>
+                                  </p:iterate>
+                                  <p:childTnLst>
+                                    <p:set>
+                                      <p:cBhvr>
+                                        <p:cTn id="6" dur="1" fill="hold">
+                                          <p:stCondLst>
+                                            <p:cond delay="0"/>
+                                          </p:stCondLst>
+                                        </p:cTn>
+                                        <p:tgtEl>
+                                          <p:spTgt spid="2"/>
+                                        </p:tgtEl>
+                                        <p:attrNameLst>
+                                          <p:attrName>style.visibility</p:attrName>
+                                        </p:attrNameLst>
+                                      </p:cBhvr>
+                                      <p:to>
+                                        <p:strVal val="visible"/>
+                                      </p:to>
+                                    </p:set>
+                                    <p:animEffect transition="in" filter="fade">
+                                      <p:cBhvr>
+                                        <p:cTn id="7" dur="700"/>
+                                        <p:tgtEl>
+                                          <p:spTgt spid="2"/>
+                                        </p:tgtEl>
+                                      </p:cBhvr>
+                                    </p:animEffect>
+                                  </p:childTnLst>
+                                </p:cTn>
+                              </p:par>
+                            </p:childTnLst>
+                          </p:cTn>
+                        </p:par>
+                      </p:childTnLst>
+                    </p:cTn>
+                  </p:par>
+                </p:childTnLst>
+              </p:cTn>
+              <p:prevCondLst>
+                <p:cond evt="onPrev" delay="0">
+                  <p:tgtEl>
+                    <p:sldTgt/>
+                  </p:tgtEl>
+                </p:cond>
+              </p:prevCondLst>
+              <p:nextCondLst>
+                <p:cond evt="onNext" delay="0">
+                  <p:tgtEl>
+                    <p:sldTgt/>
+                  </p:tgtEl>
+                </p:cond>
+              </p:nextCondLst>
+            </p:seq>
+          </p:childTnLst>
+        </p:cTn>
+      </p:par>
+    </p:tnLst>
+    <p:bldLst>
+      <p:bldP spid="2" grpId="0"/>
+    </p:bldLst>
+  </p:timing>
+</p:sld>
+</file>
+
+<file path=ppt/slides/slide5.xml><?xml version="1.0" encoding="utf-8"?>
+<p:sld xmlns:a="http://schemas.openxmlformats.org/drawingml/2006/main" xmlns:r="http://schemas.openxmlformats.org/officeDocument/2006/relationships" xmlns:p="http://schemas.openxmlformats.org/presentationml/2006/main">
+  <p:cSld>
+    <p:spTree>
+      <p:nvGrpSpPr>
+        <p:cNvPr id="1" name=""/>
+        <p:cNvGrpSpPr/>
+        <p:nvPr/>
+      </p:nvGrpSpPr>
+      <p:grpSpPr>
+        <a:xfrm>
+          <a:off x="0" y="0"/>
+          <a:ext cx="0" cy="0"/>
+          <a:chOff x="0" y="0"/>
+          <a:chExt cx="0" cy="0"/>
+        </a:xfrm>
+      </p:grpSpPr>
+      <p:sp>
+        <p:nvSpPr>
+          <p:cNvPr id="2" name="Заголовок 1">
+            <a:extLst>
+              <a:ext uri="{FF2B5EF4-FFF2-40B4-BE49-F238E27FC236}">
+                <a16:creationId xmlns:a16="http://schemas.microsoft.com/office/drawing/2014/main" id="{8CB4910C-54A3-4F66-B758-8A6ED237B384}"/>
+              </a:ext>
+            </a:extLst>
+          </p:cNvPr>
+          <p:cNvSpPr>
+            <a:spLocks noGrp="1"/>
+          </p:cNvSpPr>
+          <p:nvPr>
+            <p:ph type="title"/>
+          </p:nvPr>
+        </p:nvSpPr>
+        <p:spPr/>
+        <p:txBody>
+          <a:bodyPr vert="horz" lIns="91440" tIns="45720" rIns="91440" bIns="45720" rtlCol="0" anchor="ctr">
+            <a:normAutofit/>
+          </a:bodyPr>
+          <a:lstStyle/>
+          <a:p>
+            <a:pPr algn="r"/>
+            <a:r>
+              <a:rPr lang="en-US" sz="5400" dirty="0"/>
+              <a:t>3</a:t>
+            </a:r>
+          </a:p>
+        </p:txBody>
+      </p:sp>
+      <p:sp>
+        <p:nvSpPr>
+          <p:cNvPr id="3" name="Текст 2">
+            <a:extLst>
+              <a:ext uri="{FF2B5EF4-FFF2-40B4-BE49-F238E27FC236}">
+                <a16:creationId xmlns:a16="http://schemas.microsoft.com/office/drawing/2014/main" id="{271D384A-E9E4-4604-92E2-E78DEAAC598B}"/>
+              </a:ext>
+            </a:extLst>
+          </p:cNvPr>
+          <p:cNvSpPr>
+            <a:spLocks noGrp="1"/>
+          </p:cNvSpPr>
+          <p:nvPr>
+            <p:ph type="body" idx="1"/>
+          </p:nvPr>
+        </p:nvSpPr>
+        <p:spPr/>
+        <p:txBody>
+          <a:bodyPr/>
+          <a:lstStyle/>
+          <a:p>
+            <a:endParaRPr lang="ru-RU"/>
+          </a:p>
+        </p:txBody>
+      </p:sp>
+    </p:spTree>
+    <p:extLst>
+      <p:ext uri="{BB962C8B-B14F-4D97-AF65-F5344CB8AC3E}">
+        <p14:creationId xmlns:p14="http://schemas.microsoft.com/office/powerpoint/2010/main" val="2396304521"/>
+      </p:ext>
+    </p:extLst>
+  </p:cSld>
+  <p:clrMapOvr>
+    <a:masterClrMapping/>
+  </p:clrMapOvr>
+  <p:timing>
+    <p:tnLst>
+      <p:par>
+        <p:cTn id="1" dur="indefinite" restart="never" nodeType="tmRoot">
+          <p:childTnLst>
+            <p:seq concurrent="1" nextAc="seek">
+              <p:cTn id="2" dur="indefinite" nodeType="mainSeq">
+                <p:childTnLst>
+                  <p:par>
+                    <p:cTn id="3" fill="hold">
+                      <p:stCondLst>
+                        <p:cond delay="indefinite"/>
+                        <p:cond evt="onBegin" delay="0">
+                          <p:tn val="2"/>
+                        </p:cond>
+                      </p:stCondLst>
+                      <p:childTnLst>
+                        <p:par>
+                          <p:cTn id="4" fill="hold">
+                            <p:stCondLst>
+                              <p:cond delay="0"/>
+                            </p:stCondLst>
+                            <p:childTnLst>
+                              <p:par>
+                                <p:cTn id="5" presetID="10" presetClass="entr" presetSubtype="0" fill="hold" grpId="0" nodeType="withEffect">
+                                  <p:stCondLst>
+                                    <p:cond delay="500"/>
+                                  </p:stCondLst>
+                                  <p:iterate>
+                                    <p:tmPct val="10000"/>
+                                  </p:iterate>
+                                  <p:childTnLst>
+                                    <p:set>
+                                      <p:cBhvr>
+                                        <p:cTn id="6" dur="1" fill="hold">
+                                          <p:stCondLst>
+                                            <p:cond delay="0"/>
+                                          </p:stCondLst>
+                                        </p:cTn>
+                                        <p:tgtEl>
+                                          <p:spTgt spid="2"/>
+                                        </p:tgtEl>
+                                        <p:attrNameLst>
+                                          <p:attrName>style.visibility</p:attrName>
+                                        </p:attrNameLst>
+                                      </p:cBhvr>
+                                      <p:to>
+                                        <p:strVal val="visible"/>
+                                      </p:to>
+                                    </p:set>
+                                    <p:animEffect transition="in" filter="fade">
+                                      <p:cBhvr>
+                                        <p:cTn id="7" dur="700"/>
+                                        <p:tgtEl>
+                                          <p:spTgt spid="2"/>
+                                        </p:tgtEl>
+                                      </p:cBhvr>
+                                    </p:animEffect>
+                                  </p:childTnLst>
+                                </p:cTn>
+                              </p:par>
+                            </p:childTnLst>
+                          </p:cTn>
+                        </p:par>
+                      </p:childTnLst>
+                    </p:cTn>
+                  </p:par>
+                </p:childTnLst>
+              </p:cTn>
+              <p:prevCondLst>
+                <p:cond evt="onPrev" delay="0">
+                  <p:tgtEl>
+                    <p:sldTgt/>
+                  </p:tgtEl>
+                </p:cond>
+              </p:prevCondLst>
+              <p:nextCondLst>
+                <p:cond evt="onNext" delay="0">
+                  <p:tgtEl>
+                    <p:sldTgt/>
+                  </p:tgtEl>
+                </p:cond>
+              </p:nextCondLst>
+            </p:seq>
+          </p:childTnLst>
+        </p:cTn>
+      </p:par>
+    </p:tnLst>
+    <p:bldLst>
+      <p:bldP spid="2" grpId="0"/>
+    </p:bldLst>
+  </p:timing>
 </p:sld>
 </file>
 
